--- a/AD_과제9조PPT.pptx
+++ b/AD_과제9조PPT.pptx
@@ -8,8 +8,9 @@
     <p:sldId id="256" r:id="rId2"/>
     <p:sldId id="257" r:id="rId3"/>
     <p:sldId id="260" r:id="rId4"/>
-    <p:sldId id="258" r:id="rId5"/>
-    <p:sldId id="259" r:id="rId6"/>
+    <p:sldId id="261" r:id="rId5"/>
+    <p:sldId id="258" r:id="rId6"/>
+    <p:sldId id="259" r:id="rId7"/>
   </p:sldIdLst>
   <p:sldSz cx="9144000" cy="6858000" type="screen4x3"/>
   <p:notesSz cx="6858000" cy="9144000"/>
@@ -108,6 +109,22 @@
       </a:defRPr>
     </a:lvl9pPr>
   </p:defaultTextStyle>
+  <p:extLst>
+    <p:ext uri="{EFAFB233-063F-42B5-8137-9DF3F51BA10A}">
+      <p15:sldGuideLst xmlns:p15="http://schemas.microsoft.com/office/powerpoint/2012/main">
+        <p15:guide id="1" orient="horz" pos="2160">
+          <p15:clr>
+            <a:srgbClr val="A4A3A4"/>
+          </p15:clr>
+        </p15:guide>
+        <p15:guide id="2" pos="2880">
+          <p15:clr>
+            <a:srgbClr val="A4A3A4"/>
+          </p15:clr>
+        </p15:guide>
+      </p15:sldGuideLst>
+    </p:ext>
+  </p:extLst>
 </p:presentation>
 </file>
 
@@ -204,7 +221,7 @@
           </a:lstStyle>
           <a:p>
             <a:r>
-              <a:rPr kumimoji="0" lang="ko-KR" altLang="en-US" smtClean="0"/>
+              <a:rPr kumimoji="0" lang="ko-KR" altLang="en-US"/>
               <a:t>마스터 제목 스타일 편집</a:t>
             </a:r>
             <a:endParaRPr kumimoji="0" lang="en-US"/>
@@ -321,7 +338,7 @@
           </a:lstStyle>
           <a:p>
             <a:r>
-              <a:rPr kumimoji="0" lang="ko-KR" altLang="en-US" smtClean="0"/>
+              <a:rPr kumimoji="0" lang="ko-KR" altLang="en-US"/>
               <a:t>마스터 부제목 스타일 편집</a:t>
             </a:r>
             <a:endParaRPr kumimoji="0" lang="en-US"/>
@@ -443,7 +460,7 @@
           </a:lstStyle>
           <a:p>
             <a:r>
-              <a:rPr kumimoji="0" lang="ko-KR" altLang="en-US" smtClean="0"/>
+              <a:rPr kumimoji="0" lang="ko-KR" altLang="en-US"/>
               <a:t>마스터 제목 스타일 편집</a:t>
             </a:r>
             <a:endParaRPr kumimoji="0" lang="en-US"/>
@@ -472,35 +489,35 @@
           <a:p>
             <a:pPr lvl="0" eaLnBrk="1" latinLnBrk="0" hangingPunct="1"/>
             <a:r>
-              <a:rPr lang="ko-KR" altLang="en-US" smtClean="0"/>
+              <a:rPr lang="ko-KR" altLang="en-US"/>
               <a:t>마스터 텍스트 스타일을 편집합니다</a:t>
             </a:r>
           </a:p>
           <a:p>
             <a:pPr lvl="1" eaLnBrk="1" latinLnBrk="0" hangingPunct="1"/>
             <a:r>
-              <a:rPr lang="ko-KR" altLang="en-US" smtClean="0"/>
+              <a:rPr lang="ko-KR" altLang="en-US"/>
               <a:t>둘째 수준</a:t>
             </a:r>
           </a:p>
           <a:p>
             <a:pPr lvl="2" eaLnBrk="1" latinLnBrk="0" hangingPunct="1"/>
             <a:r>
-              <a:rPr lang="ko-KR" altLang="en-US" smtClean="0"/>
+              <a:rPr lang="ko-KR" altLang="en-US"/>
               <a:t>셋째 수준</a:t>
             </a:r>
           </a:p>
           <a:p>
             <a:pPr lvl="3" eaLnBrk="1" latinLnBrk="0" hangingPunct="1"/>
             <a:r>
-              <a:rPr lang="ko-KR" altLang="en-US" smtClean="0"/>
+              <a:rPr lang="ko-KR" altLang="en-US"/>
               <a:t>넷째 수준</a:t>
             </a:r>
           </a:p>
           <a:p>
             <a:pPr lvl="4" eaLnBrk="1" latinLnBrk="0" hangingPunct="1"/>
             <a:r>
-              <a:rPr lang="ko-KR" altLang="en-US" smtClean="0"/>
+              <a:rPr lang="ko-KR" altLang="en-US"/>
               <a:t>다섯째 수준</a:t>
             </a:r>
             <a:endParaRPr kumimoji="0" lang="en-US"/>
@@ -733,7 +750,7 @@
           </a:lstStyle>
           <a:p>
             <a:r>
-              <a:rPr kumimoji="0" lang="ko-KR" altLang="en-US" smtClean="0"/>
+              <a:rPr kumimoji="0" lang="ko-KR" altLang="en-US"/>
               <a:t>마스터 제목 스타일 편집</a:t>
             </a:r>
             <a:endParaRPr kumimoji="0" lang="en-US"/>
@@ -772,35 +789,35 @@
           <a:p>
             <a:pPr lvl="0" eaLnBrk="1" latinLnBrk="0" hangingPunct="1"/>
             <a:r>
-              <a:rPr lang="ko-KR" altLang="en-US" smtClean="0"/>
+              <a:rPr lang="ko-KR" altLang="en-US"/>
               <a:t>마스터 텍스트 스타일을 편집합니다</a:t>
             </a:r>
           </a:p>
           <a:p>
             <a:pPr lvl="1" eaLnBrk="1" latinLnBrk="0" hangingPunct="1"/>
             <a:r>
-              <a:rPr lang="ko-KR" altLang="en-US" smtClean="0"/>
+              <a:rPr lang="ko-KR" altLang="en-US"/>
               <a:t>둘째 수준</a:t>
             </a:r>
           </a:p>
           <a:p>
             <a:pPr lvl="2" eaLnBrk="1" latinLnBrk="0" hangingPunct="1"/>
             <a:r>
-              <a:rPr lang="ko-KR" altLang="en-US" smtClean="0"/>
+              <a:rPr lang="ko-KR" altLang="en-US"/>
               <a:t>셋째 수준</a:t>
             </a:r>
           </a:p>
           <a:p>
             <a:pPr lvl="3" eaLnBrk="1" latinLnBrk="0" hangingPunct="1"/>
             <a:r>
-              <a:rPr lang="ko-KR" altLang="en-US" smtClean="0"/>
+              <a:rPr lang="ko-KR" altLang="en-US"/>
               <a:t>넷째 수준</a:t>
             </a:r>
           </a:p>
           <a:p>
             <a:pPr lvl="4" eaLnBrk="1" latinLnBrk="0" hangingPunct="1"/>
             <a:r>
-              <a:rPr lang="ko-KR" altLang="en-US" smtClean="0"/>
+              <a:rPr lang="ko-KR" altLang="en-US"/>
               <a:t>다섯째 수준</a:t>
             </a:r>
             <a:endParaRPr kumimoji="0" lang="en-US"/>
@@ -981,35 +998,35 @@
           <a:p>
             <a:pPr lvl="0" eaLnBrk="1" latinLnBrk="0" hangingPunct="1"/>
             <a:r>
-              <a:rPr lang="ko-KR" altLang="en-US" smtClean="0"/>
+              <a:rPr lang="ko-KR" altLang="en-US"/>
               <a:t>마스터 텍스트 스타일을 편집합니다</a:t>
             </a:r>
           </a:p>
           <a:p>
             <a:pPr lvl="1" eaLnBrk="1" latinLnBrk="0" hangingPunct="1"/>
             <a:r>
-              <a:rPr lang="ko-KR" altLang="en-US" smtClean="0"/>
+              <a:rPr lang="ko-KR" altLang="en-US"/>
               <a:t>둘째 수준</a:t>
             </a:r>
           </a:p>
           <a:p>
             <a:pPr lvl="2" eaLnBrk="1" latinLnBrk="0" hangingPunct="1"/>
             <a:r>
-              <a:rPr lang="ko-KR" altLang="en-US" smtClean="0"/>
+              <a:rPr lang="ko-KR" altLang="en-US"/>
               <a:t>셋째 수준</a:t>
             </a:r>
           </a:p>
           <a:p>
             <a:pPr lvl="3" eaLnBrk="1" latinLnBrk="0" hangingPunct="1"/>
             <a:r>
-              <a:rPr lang="ko-KR" altLang="en-US" smtClean="0"/>
+              <a:rPr lang="ko-KR" altLang="en-US"/>
               <a:t>넷째 수준</a:t>
             </a:r>
           </a:p>
           <a:p>
             <a:pPr lvl="4" eaLnBrk="1" latinLnBrk="0" hangingPunct="1"/>
             <a:r>
-              <a:rPr lang="ko-KR" altLang="en-US" smtClean="0"/>
+              <a:rPr lang="ko-KR" altLang="en-US"/>
               <a:t>다섯째 수준</a:t>
             </a:r>
             <a:endParaRPr kumimoji="0" lang="en-US"/>
@@ -1106,7 +1123,7 @@
           </a:lstStyle>
           <a:p>
             <a:r>
-              <a:rPr kumimoji="0" lang="ko-KR" altLang="en-US" smtClean="0"/>
+              <a:rPr kumimoji="0" lang="ko-KR" altLang="en-US"/>
               <a:t>마스터 제목 스타일 편집</a:t>
             </a:r>
             <a:endParaRPr kumimoji="0" lang="en-US"/>
@@ -1223,7 +1240,7 @@
           </a:lstStyle>
           <a:p>
             <a:r>
-              <a:rPr kumimoji="0" lang="ko-KR" altLang="en-US" smtClean="0"/>
+              <a:rPr kumimoji="0" lang="ko-KR" altLang="en-US"/>
               <a:t>마스터 제목 스타일 편집</a:t>
             </a:r>
             <a:endParaRPr kumimoji="0" lang="en-US"/>
@@ -1333,35 +1350,35 @@
           <a:p>
             <a:pPr lvl="0" eaLnBrk="1" latinLnBrk="0" hangingPunct="1"/>
             <a:r>
-              <a:rPr lang="ko-KR" altLang="en-US" smtClean="0"/>
+              <a:rPr lang="ko-KR" altLang="en-US"/>
               <a:t>마스터 텍스트 스타일을 편집합니다</a:t>
             </a:r>
           </a:p>
           <a:p>
             <a:pPr lvl="1" eaLnBrk="1" latinLnBrk="0" hangingPunct="1"/>
             <a:r>
-              <a:rPr lang="ko-KR" altLang="en-US" smtClean="0"/>
+              <a:rPr lang="ko-KR" altLang="en-US"/>
               <a:t>둘째 수준</a:t>
             </a:r>
           </a:p>
           <a:p>
             <a:pPr lvl="2" eaLnBrk="1" latinLnBrk="0" hangingPunct="1"/>
             <a:r>
-              <a:rPr lang="ko-KR" altLang="en-US" smtClean="0"/>
+              <a:rPr lang="ko-KR" altLang="en-US"/>
               <a:t>셋째 수준</a:t>
             </a:r>
           </a:p>
           <a:p>
             <a:pPr lvl="3" eaLnBrk="1" latinLnBrk="0" hangingPunct="1"/>
             <a:r>
-              <a:rPr lang="ko-KR" altLang="en-US" smtClean="0"/>
+              <a:rPr lang="ko-KR" altLang="en-US"/>
               <a:t>넷째 수준</a:t>
             </a:r>
           </a:p>
           <a:p>
             <a:pPr lvl="4" eaLnBrk="1" latinLnBrk="0" hangingPunct="1"/>
             <a:r>
-              <a:rPr lang="ko-KR" altLang="en-US" smtClean="0"/>
+              <a:rPr lang="ko-KR" altLang="en-US"/>
               <a:t>다섯째 수준</a:t>
             </a:r>
             <a:endParaRPr kumimoji="0" lang="en-US"/>
@@ -1555,7 +1572,7 @@
           </a:lstStyle>
           <a:p>
             <a:r>
-              <a:rPr kumimoji="0" lang="ko-KR" altLang="en-US" smtClean="0"/>
+              <a:rPr kumimoji="0" lang="ko-KR" altLang="en-US"/>
               <a:t>마스터 제목 스타일 편집</a:t>
             </a:r>
             <a:endParaRPr kumimoji="0" lang="en-US"/>
@@ -1634,35 +1651,35 @@
           <a:p>
             <a:pPr lvl="0" eaLnBrk="1" latinLnBrk="0" hangingPunct="1"/>
             <a:r>
-              <a:rPr lang="ko-KR" altLang="en-US" smtClean="0"/>
+              <a:rPr lang="ko-KR" altLang="en-US"/>
               <a:t>마스터 텍스트 스타일을 편집합니다</a:t>
             </a:r>
           </a:p>
           <a:p>
             <a:pPr lvl="1" eaLnBrk="1" latinLnBrk="0" hangingPunct="1"/>
             <a:r>
-              <a:rPr lang="ko-KR" altLang="en-US" smtClean="0"/>
+              <a:rPr lang="ko-KR" altLang="en-US"/>
               <a:t>둘째 수준</a:t>
             </a:r>
           </a:p>
           <a:p>
             <a:pPr lvl="2" eaLnBrk="1" latinLnBrk="0" hangingPunct="1"/>
             <a:r>
-              <a:rPr lang="ko-KR" altLang="en-US" smtClean="0"/>
+              <a:rPr lang="ko-KR" altLang="en-US"/>
               <a:t>셋째 수준</a:t>
             </a:r>
           </a:p>
           <a:p>
             <a:pPr lvl="3" eaLnBrk="1" latinLnBrk="0" hangingPunct="1"/>
             <a:r>
-              <a:rPr lang="ko-KR" altLang="en-US" smtClean="0"/>
+              <a:rPr lang="ko-KR" altLang="en-US"/>
               <a:t>넷째 수준</a:t>
             </a:r>
           </a:p>
           <a:p>
             <a:pPr lvl="4" eaLnBrk="1" latinLnBrk="0" hangingPunct="1"/>
             <a:r>
-              <a:rPr lang="ko-KR" altLang="en-US" smtClean="0"/>
+              <a:rPr lang="ko-KR" altLang="en-US"/>
               <a:t>다섯째 수준</a:t>
             </a:r>
             <a:endParaRPr kumimoji="0" lang="en-US"/>
@@ -1741,35 +1758,35 @@
           <a:p>
             <a:pPr lvl="0" eaLnBrk="1" latinLnBrk="0" hangingPunct="1"/>
             <a:r>
-              <a:rPr lang="ko-KR" altLang="en-US" smtClean="0"/>
+              <a:rPr lang="ko-KR" altLang="en-US"/>
               <a:t>마스터 텍스트 스타일을 편집합니다</a:t>
             </a:r>
           </a:p>
           <a:p>
             <a:pPr lvl="1" eaLnBrk="1" latinLnBrk="0" hangingPunct="1"/>
             <a:r>
-              <a:rPr lang="ko-KR" altLang="en-US" smtClean="0"/>
+              <a:rPr lang="ko-KR" altLang="en-US"/>
               <a:t>둘째 수준</a:t>
             </a:r>
           </a:p>
           <a:p>
             <a:pPr lvl="2" eaLnBrk="1" latinLnBrk="0" hangingPunct="1"/>
             <a:r>
-              <a:rPr lang="ko-KR" altLang="en-US" smtClean="0"/>
+              <a:rPr lang="ko-KR" altLang="en-US"/>
               <a:t>셋째 수준</a:t>
             </a:r>
           </a:p>
           <a:p>
             <a:pPr lvl="3" eaLnBrk="1" latinLnBrk="0" hangingPunct="1"/>
             <a:r>
-              <a:rPr lang="ko-KR" altLang="en-US" smtClean="0"/>
+              <a:rPr lang="ko-KR" altLang="en-US"/>
               <a:t>넷째 수준</a:t>
             </a:r>
           </a:p>
           <a:p>
             <a:pPr lvl="4" eaLnBrk="1" latinLnBrk="0" hangingPunct="1"/>
             <a:r>
-              <a:rPr lang="ko-KR" altLang="en-US" smtClean="0"/>
+              <a:rPr lang="ko-KR" altLang="en-US"/>
               <a:t>다섯째 수준</a:t>
             </a:r>
             <a:endParaRPr kumimoji="0" lang="en-US"/>
@@ -1886,7 +1903,7 @@
           </a:lstStyle>
           <a:p>
             <a:r>
-              <a:rPr kumimoji="0" lang="ko-KR" altLang="en-US" smtClean="0"/>
+              <a:rPr kumimoji="0" lang="ko-KR" altLang="en-US"/>
               <a:t>마스터 제목 스타일 편집</a:t>
             </a:r>
             <a:endParaRPr kumimoji="0" lang="en-US"/>
@@ -2052,35 +2069,35 @@
           <a:p>
             <a:pPr lvl="0" eaLnBrk="1" latinLnBrk="0" hangingPunct="1"/>
             <a:r>
-              <a:rPr lang="ko-KR" altLang="en-US" smtClean="0"/>
+              <a:rPr lang="ko-KR" altLang="en-US"/>
               <a:t>마스터 텍스트 스타일을 편집합니다</a:t>
             </a:r>
           </a:p>
           <a:p>
             <a:pPr lvl="1" eaLnBrk="1" latinLnBrk="0" hangingPunct="1"/>
             <a:r>
-              <a:rPr lang="ko-KR" altLang="en-US" smtClean="0"/>
+              <a:rPr lang="ko-KR" altLang="en-US"/>
               <a:t>둘째 수준</a:t>
             </a:r>
           </a:p>
           <a:p>
             <a:pPr lvl="2" eaLnBrk="1" latinLnBrk="0" hangingPunct="1"/>
             <a:r>
-              <a:rPr lang="ko-KR" altLang="en-US" smtClean="0"/>
+              <a:rPr lang="ko-KR" altLang="en-US"/>
               <a:t>셋째 수준</a:t>
             </a:r>
           </a:p>
           <a:p>
             <a:pPr lvl="3" eaLnBrk="1" latinLnBrk="0" hangingPunct="1"/>
             <a:r>
-              <a:rPr lang="ko-KR" altLang="en-US" smtClean="0"/>
+              <a:rPr lang="ko-KR" altLang="en-US"/>
               <a:t>넷째 수준</a:t>
             </a:r>
           </a:p>
           <a:p>
             <a:pPr lvl="4" eaLnBrk="1" latinLnBrk="0" hangingPunct="1"/>
             <a:r>
-              <a:rPr lang="ko-KR" altLang="en-US" smtClean="0"/>
+              <a:rPr lang="ko-KR" altLang="en-US"/>
               <a:t>다섯째 수준</a:t>
             </a:r>
             <a:endParaRPr kumimoji="0" lang="en-US"/>
@@ -2176,7 +2193,7 @@
           <a:p>
             <a:pPr lvl="0" eaLnBrk="1" latinLnBrk="0" hangingPunct="1"/>
             <a:r>
-              <a:rPr kumimoji="0" lang="ko-KR" altLang="en-US" smtClean="0"/>
+              <a:rPr kumimoji="0" lang="ko-KR" altLang="en-US"/>
               <a:t>마스터 텍스트 스타일을 편집합니다</a:t>
             </a:r>
           </a:p>
@@ -2275,35 +2292,35 @@
           <a:p>
             <a:pPr lvl="0" eaLnBrk="1" latinLnBrk="0" hangingPunct="1"/>
             <a:r>
-              <a:rPr lang="ko-KR" altLang="en-US" smtClean="0"/>
+              <a:rPr lang="ko-KR" altLang="en-US"/>
               <a:t>마스터 텍스트 스타일을 편집합니다</a:t>
             </a:r>
           </a:p>
           <a:p>
             <a:pPr lvl="1" eaLnBrk="1" latinLnBrk="0" hangingPunct="1"/>
             <a:r>
-              <a:rPr lang="ko-KR" altLang="en-US" smtClean="0"/>
+              <a:rPr lang="ko-KR" altLang="en-US"/>
               <a:t>둘째 수준</a:t>
             </a:r>
           </a:p>
           <a:p>
             <a:pPr lvl="2" eaLnBrk="1" latinLnBrk="0" hangingPunct="1"/>
             <a:r>
-              <a:rPr lang="ko-KR" altLang="en-US" smtClean="0"/>
+              <a:rPr lang="ko-KR" altLang="en-US"/>
               <a:t>셋째 수준</a:t>
             </a:r>
           </a:p>
           <a:p>
             <a:pPr lvl="3" eaLnBrk="1" latinLnBrk="0" hangingPunct="1"/>
             <a:r>
-              <a:rPr lang="ko-KR" altLang="en-US" smtClean="0"/>
+              <a:rPr lang="ko-KR" altLang="en-US"/>
               <a:t>넷째 수준</a:t>
             </a:r>
           </a:p>
           <a:p>
             <a:pPr lvl="4" eaLnBrk="1" latinLnBrk="0" hangingPunct="1"/>
             <a:r>
-              <a:rPr lang="ko-KR" altLang="en-US" smtClean="0"/>
+              <a:rPr lang="ko-KR" altLang="en-US"/>
               <a:t>다섯째 수준</a:t>
             </a:r>
             <a:endParaRPr kumimoji="0" lang="en-US"/>
@@ -2399,7 +2416,7 @@
           <a:p>
             <a:pPr lvl="0" eaLnBrk="1" latinLnBrk="0" hangingPunct="1"/>
             <a:r>
-              <a:rPr kumimoji="0" lang="ko-KR" altLang="en-US" smtClean="0"/>
+              <a:rPr kumimoji="0" lang="ko-KR" altLang="en-US"/>
               <a:t>마스터 텍스트 스타일을 편집합니다</a:t>
             </a:r>
           </a:p>
@@ -2596,7 +2613,7 @@
           </a:lstStyle>
           <a:p>
             <a:r>
-              <a:rPr kumimoji="0" lang="ko-KR" altLang="en-US" smtClean="0"/>
+              <a:rPr kumimoji="0" lang="ko-KR" altLang="en-US"/>
               <a:t>마스터 제목 스타일 편집</a:t>
             </a:r>
             <a:endParaRPr kumimoji="0" lang="en-US"/>
@@ -2878,7 +2895,7 @@
           </a:lstStyle>
           <a:p>
             <a:r>
-              <a:rPr kumimoji="0" lang="ko-KR" altLang="en-US" smtClean="0"/>
+              <a:rPr kumimoji="0" lang="ko-KR" altLang="en-US"/>
               <a:t>마스터 제목 스타일 편집</a:t>
             </a:r>
             <a:endParaRPr kumimoji="0" lang="en-US"/>
@@ -2944,35 +2961,35 @@
           <a:p>
             <a:pPr lvl="0" eaLnBrk="1" latinLnBrk="0" hangingPunct="1"/>
             <a:r>
-              <a:rPr lang="ko-KR" altLang="en-US" smtClean="0"/>
+              <a:rPr lang="ko-KR" altLang="en-US"/>
               <a:t>마스터 텍스트 스타일을 편집합니다</a:t>
             </a:r>
           </a:p>
           <a:p>
             <a:pPr lvl="1" eaLnBrk="1" latinLnBrk="0" hangingPunct="1"/>
             <a:r>
-              <a:rPr lang="ko-KR" altLang="en-US" smtClean="0"/>
+              <a:rPr lang="ko-KR" altLang="en-US"/>
               <a:t>둘째 수준</a:t>
             </a:r>
           </a:p>
           <a:p>
             <a:pPr lvl="2" eaLnBrk="1" latinLnBrk="0" hangingPunct="1"/>
             <a:r>
-              <a:rPr lang="ko-KR" altLang="en-US" smtClean="0"/>
+              <a:rPr lang="ko-KR" altLang="en-US"/>
               <a:t>셋째 수준</a:t>
             </a:r>
           </a:p>
           <a:p>
             <a:pPr lvl="3" eaLnBrk="1" latinLnBrk="0" hangingPunct="1"/>
             <a:r>
-              <a:rPr lang="ko-KR" altLang="en-US" smtClean="0"/>
+              <a:rPr lang="ko-KR" altLang="en-US"/>
               <a:t>넷째 수준</a:t>
             </a:r>
           </a:p>
           <a:p>
             <a:pPr lvl="4" eaLnBrk="1" latinLnBrk="0" hangingPunct="1"/>
             <a:r>
-              <a:rPr lang="ko-KR" altLang="en-US" smtClean="0"/>
+              <a:rPr lang="ko-KR" altLang="en-US"/>
               <a:t>다섯째 수준</a:t>
             </a:r>
             <a:endParaRPr kumimoji="0" lang="en-US"/>
@@ -3082,35 +3099,35 @@
           <a:p>
             <a:pPr lvl="0" eaLnBrk="1" latinLnBrk="0" hangingPunct="1"/>
             <a:r>
-              <a:rPr lang="ko-KR" altLang="en-US" smtClean="0"/>
+              <a:rPr lang="ko-KR" altLang="en-US"/>
               <a:t>마스터 텍스트 스타일을 편집합니다</a:t>
             </a:r>
           </a:p>
           <a:p>
             <a:pPr lvl="1" eaLnBrk="1" latinLnBrk="0" hangingPunct="1"/>
             <a:r>
-              <a:rPr lang="ko-KR" altLang="en-US" smtClean="0"/>
+              <a:rPr lang="ko-KR" altLang="en-US"/>
               <a:t>둘째 수준</a:t>
             </a:r>
           </a:p>
           <a:p>
             <a:pPr lvl="2" eaLnBrk="1" latinLnBrk="0" hangingPunct="1"/>
             <a:r>
-              <a:rPr lang="ko-KR" altLang="en-US" smtClean="0"/>
+              <a:rPr lang="ko-KR" altLang="en-US"/>
               <a:t>셋째 수준</a:t>
             </a:r>
           </a:p>
           <a:p>
             <a:pPr lvl="3" eaLnBrk="1" latinLnBrk="0" hangingPunct="1"/>
             <a:r>
-              <a:rPr lang="ko-KR" altLang="en-US" smtClean="0"/>
+              <a:rPr lang="ko-KR" altLang="en-US"/>
               <a:t>넷째 수준</a:t>
             </a:r>
           </a:p>
           <a:p>
             <a:pPr lvl="4" eaLnBrk="1" latinLnBrk="0" hangingPunct="1"/>
             <a:r>
-              <a:rPr lang="ko-KR" altLang="en-US" smtClean="0"/>
+              <a:rPr lang="ko-KR" altLang="en-US"/>
               <a:t>다섯째 수준</a:t>
             </a:r>
             <a:endParaRPr kumimoji="0" lang="en-US"/>
@@ -3261,7 +3278,7 @@
           </a:lstStyle>
           <a:p>
             <a:r>
-              <a:rPr kumimoji="0" lang="ko-KR" altLang="en-US" smtClean="0"/>
+              <a:rPr kumimoji="0" lang="ko-KR" altLang="en-US"/>
               <a:t>마스터 제목 스타일 편집</a:t>
             </a:r>
             <a:endParaRPr kumimoji="0" lang="en-US"/>
@@ -3327,35 +3344,35 @@
           <a:p>
             <a:pPr lvl="0" eaLnBrk="1" latinLnBrk="0" hangingPunct="1"/>
             <a:r>
-              <a:rPr lang="ko-KR" altLang="en-US" smtClean="0"/>
+              <a:rPr lang="ko-KR" altLang="en-US"/>
               <a:t>마스터 텍스트 스타일을 편집합니다</a:t>
             </a:r>
           </a:p>
           <a:p>
             <a:pPr lvl="1" eaLnBrk="1" latinLnBrk="0" hangingPunct="1"/>
             <a:r>
-              <a:rPr lang="ko-KR" altLang="en-US" smtClean="0"/>
+              <a:rPr lang="ko-KR" altLang="en-US"/>
               <a:t>둘째 수준</a:t>
             </a:r>
           </a:p>
           <a:p>
             <a:pPr lvl="2" eaLnBrk="1" latinLnBrk="0" hangingPunct="1"/>
             <a:r>
-              <a:rPr lang="ko-KR" altLang="en-US" smtClean="0"/>
+              <a:rPr lang="ko-KR" altLang="en-US"/>
               <a:t>셋째 수준</a:t>
             </a:r>
           </a:p>
           <a:p>
             <a:pPr lvl="3" eaLnBrk="1" latinLnBrk="0" hangingPunct="1"/>
             <a:r>
-              <a:rPr lang="ko-KR" altLang="en-US" smtClean="0"/>
+              <a:rPr lang="ko-KR" altLang="en-US"/>
               <a:t>넷째 수준</a:t>
             </a:r>
           </a:p>
           <a:p>
             <a:pPr lvl="4" eaLnBrk="1" latinLnBrk="0" hangingPunct="1"/>
             <a:r>
-              <a:rPr lang="ko-KR" altLang="en-US" smtClean="0"/>
+              <a:rPr lang="ko-KR" altLang="en-US"/>
               <a:t>다섯째 수준</a:t>
             </a:r>
             <a:endParaRPr kumimoji="0" lang="en-US"/>
@@ -3531,7 +3548,7 @@
           </a:lstStyle>
           <a:p>
             <a:r>
-              <a:rPr kumimoji="0" lang="ko-KR" altLang="en-US" smtClean="0"/>
+              <a:rPr kumimoji="0" lang="ko-KR" altLang="en-US"/>
               <a:t>그림을 추가하려면 아이콘을 클릭하십시오</a:t>
             </a:r>
             <a:endParaRPr kumimoji="0" lang="en-US"/>
@@ -3681,7 +3698,7 @@
           <a:lstStyle/>
           <a:p>
             <a:r>
-              <a:rPr kumimoji="0" lang="ko-KR" altLang="en-US" smtClean="0"/>
+              <a:rPr kumimoji="0" lang="ko-KR" altLang="en-US"/>
               <a:t>마스터 제목 스타일 편집</a:t>
             </a:r>
             <a:endParaRPr kumimoji="0" lang="en-US"/>
@@ -3715,35 +3732,35 @@
           <a:p>
             <a:pPr lvl="0" eaLnBrk="1" latinLnBrk="0" hangingPunct="1"/>
             <a:r>
-              <a:rPr kumimoji="0" lang="ko-KR" altLang="en-US" smtClean="0"/>
+              <a:rPr kumimoji="0" lang="ko-KR" altLang="en-US"/>
               <a:t>마스터 텍스트 스타일을 편집합니다</a:t>
             </a:r>
           </a:p>
           <a:p>
             <a:pPr lvl="1" eaLnBrk="1" latinLnBrk="0" hangingPunct="1"/>
             <a:r>
-              <a:rPr kumimoji="0" lang="ko-KR" altLang="en-US" smtClean="0"/>
+              <a:rPr kumimoji="0" lang="ko-KR" altLang="en-US"/>
               <a:t>둘째 수준</a:t>
             </a:r>
           </a:p>
           <a:p>
             <a:pPr lvl="2" eaLnBrk="1" latinLnBrk="0" hangingPunct="1"/>
             <a:r>
-              <a:rPr kumimoji="0" lang="ko-KR" altLang="en-US" smtClean="0"/>
+              <a:rPr kumimoji="0" lang="ko-KR" altLang="en-US"/>
               <a:t>셋째 수준</a:t>
             </a:r>
           </a:p>
           <a:p>
             <a:pPr lvl="3" eaLnBrk="1" latinLnBrk="0" hangingPunct="1"/>
             <a:r>
-              <a:rPr kumimoji="0" lang="ko-KR" altLang="en-US" smtClean="0"/>
+              <a:rPr kumimoji="0" lang="ko-KR" altLang="en-US"/>
               <a:t>넷째 수준</a:t>
             </a:r>
           </a:p>
           <a:p>
             <a:pPr lvl="4" eaLnBrk="1" latinLnBrk="0" hangingPunct="1"/>
             <a:r>
-              <a:rPr kumimoji="0" lang="ko-KR" altLang="en-US" smtClean="0"/>
+              <a:rPr kumimoji="0" lang="ko-KR" altLang="en-US"/>
               <a:t>다섯째 수준</a:t>
             </a:r>
             <a:endParaRPr kumimoji="0" lang="en-US"/>
@@ -4257,29 +4274,24 @@
           <a:lstStyle/>
           <a:p>
             <a:r>
-              <a:rPr lang="ko-KR" altLang="en-US" dirty="0" err="1" smtClean="0"/>
+              <a:rPr lang="ko-KR" altLang="en-US" dirty="0" err="1"/>
               <a:t>라즈베리</a:t>
             </a:r>
             <a:r>
-              <a:rPr lang="ko-KR" altLang="en-US" dirty="0" smtClean="0"/>
+              <a:rPr lang="ko-KR" altLang="en-US" dirty="0"/>
               <a:t> 파이 </a:t>
             </a:r>
-            <a:r>
-              <a:rPr lang="en-US" altLang="ko-KR" dirty="0" smtClean="0"/>
-              <a:t/>
-            </a:r>
             <a:br>
-              <a:rPr lang="en-US" altLang="ko-KR" dirty="0" smtClean="0"/>
+              <a:rPr lang="en-US" altLang="ko-KR" dirty="0"/>
             </a:br>
             <a:r>
-              <a:rPr lang="en-US" altLang="ko-KR" dirty="0" smtClean="0"/>
+              <a:rPr lang="en-US" altLang="ko-KR" dirty="0"/>
               <a:t>AD</a:t>
             </a:r>
             <a:r>
-              <a:rPr lang="ko-KR" altLang="en-US" dirty="0" smtClean="0"/>
+              <a:rPr lang="ko-KR" altLang="en-US" dirty="0"/>
               <a:t>과제</a:t>
             </a:r>
-            <a:endParaRPr lang="ko-KR" altLang="en-US" dirty="0"/>
           </a:p>
         </p:txBody>
       </p:sp>
@@ -4306,25 +4318,24 @@
           <a:lstStyle/>
           <a:p>
             <a:r>
-              <a:rPr lang="en-US" altLang="ko-KR" dirty="0" smtClean="0"/>
+              <a:rPr lang="en-US" altLang="ko-KR" dirty="0"/>
               <a:t>20165162 </a:t>
             </a:r>
             <a:r>
-              <a:rPr lang="ko-KR" altLang="en-US" dirty="0" smtClean="0"/>
+              <a:rPr lang="ko-KR" altLang="en-US" dirty="0"/>
               <a:t>조현우</a:t>
             </a:r>
-            <a:endParaRPr lang="en-US" altLang="ko-KR" dirty="0" smtClean="0"/>
-          </a:p>
-          <a:p>
-            <a:r>
-              <a:rPr lang="en-US" altLang="ko-KR" dirty="0" smtClean="0"/>
+            <a:endParaRPr lang="en-US" altLang="ko-KR" dirty="0"/>
+          </a:p>
+          <a:p>
+            <a:r>
+              <a:rPr lang="en-US" altLang="ko-KR" dirty="0"/>
               <a:t>20165150 </a:t>
             </a:r>
             <a:r>
-              <a:rPr lang="ko-KR" altLang="en-US" dirty="0" smtClean="0"/>
+              <a:rPr lang="ko-KR" altLang="en-US" dirty="0"/>
               <a:t>김용환</a:t>
             </a:r>
-            <a:endParaRPr lang="ko-KR" altLang="en-US" dirty="0"/>
           </a:p>
         </p:txBody>
       </p:sp>
@@ -4374,7 +4385,7 @@
           <a:lstStyle/>
           <a:p>
             <a:r>
-              <a:rPr lang="en-US" altLang="ko-KR" dirty="0" smtClean="0"/>
+              <a:rPr lang="en-US" altLang="ko-KR" dirty="0"/>
               <a:t>1.</a:t>
             </a:r>
             <a:r>
@@ -4382,20 +4393,20 @@
               <a:t> </a:t>
             </a:r>
             <a:r>
-              <a:rPr lang="en-US" altLang="ko-KR" dirty="0" smtClean="0"/>
+              <a:rPr lang="en-US" altLang="ko-KR" dirty="0"/>
               <a:t>RGB </a:t>
             </a:r>
             <a:r>
-              <a:rPr lang="ko-KR" altLang="en-US" dirty="0" smtClean="0"/>
+              <a:rPr lang="ko-KR" altLang="en-US" dirty="0"/>
               <a:t>센서를 통해 신호인식을 한다</a:t>
             </a:r>
             <a:r>
-              <a:rPr lang="en-US" altLang="ko-KR" dirty="0" smtClean="0"/>
+              <a:rPr lang="en-US" altLang="ko-KR" dirty="0"/>
               <a:t>.</a:t>
             </a:r>
           </a:p>
           <a:p>
-            <a:endParaRPr lang="en-US" altLang="ko-KR" dirty="0" smtClean="0"/>
+            <a:endParaRPr lang="en-US" altLang="ko-KR" dirty="0"/>
           </a:p>
           <a:p>
             <a:pPr marL="0" indent="0">
@@ -4421,15 +4432,15 @@
           <a:lstStyle/>
           <a:p>
             <a:r>
-              <a:rPr lang="en-US" altLang="ko-KR" dirty="0" smtClean="0"/>
+              <a:rPr lang="en-US" altLang="ko-KR" dirty="0"/>
               <a:t>AD </a:t>
             </a:r>
             <a:r>
-              <a:rPr lang="ko-KR" altLang="en-US" dirty="0" smtClean="0"/>
+              <a:rPr lang="ko-KR" altLang="en-US" dirty="0"/>
               <a:t>과제 </a:t>
             </a:r>
             <a:r>
-              <a:rPr lang="en-US" altLang="ko-KR" dirty="0" smtClean="0"/>
+              <a:rPr lang="en-US" altLang="ko-KR" dirty="0"/>
               <a:t>1</a:t>
             </a:r>
             <a:endParaRPr lang="ko-KR" altLang="en-US" dirty="0"/>
@@ -4593,27 +4604,27 @@
               <a:buAutoNum type="arabicPeriod"/>
             </a:pPr>
             <a:r>
-              <a:rPr lang="ko-KR" altLang="en-US" dirty="0" smtClean="0"/>
+              <a:rPr lang="ko-KR" altLang="en-US" dirty="0"/>
               <a:t>평소에는 </a:t>
             </a:r>
             <a:r>
-              <a:rPr lang="ko-KR" altLang="en-US" dirty="0" err="1" smtClean="0"/>
+              <a:rPr lang="ko-KR" altLang="en-US" dirty="0" err="1"/>
               <a:t>달릴때</a:t>
             </a:r>
             <a:r>
-              <a:rPr lang="ko-KR" altLang="en-US" dirty="0" smtClean="0"/>
+              <a:rPr lang="ko-KR" altLang="en-US" dirty="0"/>
               <a:t> 기본노래와 초록색 </a:t>
             </a:r>
             <a:r>
-              <a:rPr lang="en-US" altLang="ko-KR" dirty="0" smtClean="0"/>
+              <a:rPr lang="en-US" altLang="ko-KR" dirty="0"/>
               <a:t>led </a:t>
             </a:r>
             <a:r>
-              <a:rPr lang="ko-KR" altLang="en-US" dirty="0" smtClean="0"/>
-              <a:t>신호를 키고 달린다</a:t>
-            </a:r>
-            <a:r>
-              <a:rPr lang="en-US" altLang="ko-KR" dirty="0" smtClean="0"/>
+              <a:rPr lang="ko-KR" altLang="en-US" dirty="0"/>
+              <a:t>트리 신호를 키고 달린다</a:t>
+            </a:r>
+            <a:r>
+              <a:rPr lang="en-US" altLang="ko-KR" dirty="0"/>
               <a:t>.</a:t>
             </a:r>
           </a:p>
@@ -4622,23 +4633,23 @@
               <a:buNone/>
             </a:pPr>
             <a:r>
-              <a:rPr lang="en-US" altLang="ko-KR" dirty="0" smtClean="0"/>
+              <a:rPr lang="en-US" altLang="ko-KR" dirty="0"/>
               <a:t>=&gt;</a:t>
             </a:r>
             <a:r>
-              <a:rPr lang="ko-KR" altLang="en-US" dirty="0" smtClean="0"/>
+              <a:rPr lang="ko-KR" altLang="en-US" dirty="0"/>
               <a:t>신나게 </a:t>
             </a:r>
             <a:r>
-              <a:rPr lang="ko-KR" altLang="en-US" dirty="0" err="1" smtClean="0"/>
+              <a:rPr lang="ko-KR" altLang="en-US" dirty="0" err="1"/>
               <a:t>달릴수</a:t>
             </a:r>
             <a:r>
-              <a:rPr lang="ko-KR" altLang="en-US" dirty="0" smtClean="0"/>
+              <a:rPr lang="ko-KR" altLang="en-US" dirty="0"/>
               <a:t> 있다</a:t>
             </a:r>
             <a:r>
-              <a:rPr lang="en-US" altLang="ko-KR" dirty="0" smtClean="0"/>
+              <a:rPr lang="en-US" altLang="ko-KR" dirty="0"/>
               <a:t>. </a:t>
             </a:r>
           </a:p>
@@ -4648,101 +4659,93 @@
             </a:pPr>
             <a:r>
               <a:rPr lang="en-US" altLang="ko-KR" dirty="0"/>
-              <a:t>2</a:t>
-            </a:r>
-            <a:r>
-              <a:rPr lang="en-US" altLang="ko-KR" dirty="0" smtClean="0"/>
+              <a:t>2. </a:t>
+            </a:r>
+            <a:r>
+              <a:rPr lang="ko-KR" altLang="en-US" dirty="0"/>
+              <a:t>신호등을 </a:t>
+            </a:r>
+            <a:r>
+              <a:rPr lang="ko-KR" altLang="en-US" dirty="0" err="1"/>
+              <a:t>만났을때</a:t>
+            </a:r>
+            <a:r>
+              <a:rPr lang="ko-KR" altLang="en-US" dirty="0"/>
+              <a:t> </a:t>
+            </a:r>
+            <a:endParaRPr lang="en-US" altLang="ko-KR" dirty="0"/>
+          </a:p>
+          <a:p>
+            <a:pPr marL="0" indent="0">
+              <a:buNone/>
+            </a:pPr>
+            <a:r>
+              <a:rPr lang="en-US" altLang="ko-KR" dirty="0"/>
+              <a:t>-</a:t>
+            </a:r>
+            <a:r>
+              <a:rPr lang="ko-KR" altLang="en-US" dirty="0"/>
+              <a:t>노래가 바뀐다</a:t>
+            </a:r>
+            <a:r>
+              <a:rPr lang="en-US" altLang="ko-KR" dirty="0"/>
               <a:t>. </a:t>
             </a:r>
-            <a:r>
-              <a:rPr lang="ko-KR" altLang="en-US" dirty="0" smtClean="0"/>
-              <a:t>신호등을 </a:t>
-            </a:r>
-            <a:r>
-              <a:rPr lang="ko-KR" altLang="en-US" dirty="0" err="1" smtClean="0"/>
+          </a:p>
+          <a:p>
+            <a:pPr marL="0" indent="0">
+              <a:buNone/>
+            </a:pPr>
+            <a:r>
+              <a:rPr lang="en-US" altLang="ko-KR" dirty="0"/>
+              <a:t>3. </a:t>
+            </a:r>
+            <a:r>
+              <a:rPr lang="ko-KR" altLang="en-US" dirty="0"/>
+              <a:t>장애물을 </a:t>
+            </a:r>
+            <a:r>
+              <a:rPr lang="ko-KR" altLang="en-US" dirty="0" err="1"/>
               <a:t>만났을때</a:t>
             </a:r>
-            <a:r>
-              <a:rPr lang="ko-KR" altLang="en-US" smtClean="0"/>
-              <a:t> </a:t>
-            </a:r>
-            <a:endParaRPr lang="en-US" altLang="ko-KR" dirty="0" smtClean="0"/>
+            <a:endParaRPr lang="en-US" altLang="ko-KR" dirty="0"/>
           </a:p>
           <a:p>
             <a:pPr marL="0" indent="0">
               <a:buNone/>
             </a:pPr>
             <a:r>
-              <a:rPr lang="en-US" altLang="ko-KR" dirty="0" smtClean="0"/>
-              <a:t>-</a:t>
-            </a:r>
-            <a:r>
-              <a:rPr lang="ko-KR" altLang="en-US" dirty="0" smtClean="0"/>
-              <a:t>노래가 바뀐다</a:t>
-            </a:r>
-            <a:r>
-              <a:rPr lang="en-US" altLang="ko-KR" dirty="0" smtClean="0"/>
+              <a:rPr lang="en-US" altLang="ko-KR" dirty="0"/>
+              <a:t>=&gt;</a:t>
+            </a:r>
+            <a:r>
+              <a:rPr lang="ko-KR" altLang="en-US" dirty="0"/>
+              <a:t>위험하다고 </a:t>
+            </a:r>
+            <a:r>
+              <a:rPr lang="ko-KR" altLang="en-US" dirty="0" err="1"/>
+              <a:t>뒷차에게</a:t>
+            </a:r>
+            <a:r>
+              <a:rPr lang="ko-KR" altLang="en-US" dirty="0"/>
+              <a:t> 알리기 위해 </a:t>
+            </a:r>
+            <a:r>
+              <a:rPr lang="ko-KR" altLang="en-US" dirty="0" err="1"/>
+              <a:t>빨간불</a:t>
+            </a:r>
+            <a:r>
+              <a:rPr lang="en-US" altLang="ko-KR" dirty="0"/>
+              <a:t> led </a:t>
+            </a:r>
+            <a:r>
+              <a:rPr lang="ko-KR" altLang="en-US" dirty="0"/>
+              <a:t>센서를 킨다</a:t>
+            </a:r>
+            <a:r>
+              <a:rPr lang="en-US" altLang="ko-KR" dirty="0"/>
               <a:t>. </a:t>
             </a:r>
-          </a:p>
-          <a:p>
-            <a:pPr marL="0" indent="0">
-              <a:buNone/>
-            </a:pPr>
-            <a:r>
-              <a:rPr lang="en-US" altLang="ko-KR" dirty="0" smtClean="0"/>
-              <a:t>3. </a:t>
-            </a:r>
-            <a:r>
-              <a:rPr lang="ko-KR" altLang="en-US" dirty="0" smtClean="0"/>
-              <a:t>장애물을 </a:t>
-            </a:r>
-            <a:r>
-              <a:rPr lang="ko-KR" altLang="en-US" dirty="0" err="1" smtClean="0"/>
-              <a:t>만났을때</a:t>
-            </a:r>
-            <a:endParaRPr lang="en-US" altLang="ko-KR" dirty="0" smtClean="0"/>
-          </a:p>
-          <a:p>
-            <a:pPr marL="0" indent="0">
-              <a:buNone/>
-            </a:pPr>
-            <a:r>
-              <a:rPr lang="en-US" altLang="ko-KR" dirty="0" smtClean="0"/>
-              <a:t>=&gt;</a:t>
-            </a:r>
-            <a:r>
-              <a:rPr lang="ko-KR" altLang="en-US" dirty="0" smtClean="0"/>
-              <a:t>위험하다고 </a:t>
-            </a:r>
-            <a:r>
-              <a:rPr lang="ko-KR" altLang="en-US" dirty="0" err="1" smtClean="0"/>
-              <a:t>뒷차에게</a:t>
-            </a:r>
-            <a:r>
-              <a:rPr lang="ko-KR" altLang="en-US" dirty="0" smtClean="0"/>
-              <a:t> 알리기 위해 </a:t>
-            </a:r>
-            <a:r>
-              <a:rPr lang="ko-KR" altLang="en-US" dirty="0" err="1" smtClean="0"/>
-              <a:t>빨간불</a:t>
-            </a:r>
-            <a:r>
-              <a:rPr lang="en-US" altLang="ko-KR" dirty="0"/>
-              <a:t> </a:t>
-            </a:r>
-            <a:r>
-              <a:rPr lang="en-US" altLang="ko-KR" dirty="0" smtClean="0"/>
-              <a:t>led </a:t>
-            </a:r>
-            <a:r>
-              <a:rPr lang="ko-KR" altLang="en-US" dirty="0" smtClean="0"/>
-              <a:t>센서를 킨다</a:t>
-            </a:r>
-            <a:r>
-              <a:rPr lang="en-US" altLang="ko-KR" dirty="0" smtClean="0"/>
-              <a:t>. </a:t>
-            </a:r>
             <a:endParaRPr lang="ko-KR" altLang="en-US" dirty="0"/>
           </a:p>
         </p:txBody>
@@ -4763,16 +4766,59 @@
           <a:lstStyle/>
           <a:p>
             <a:r>
-              <a:rPr lang="ko-KR" altLang="en-US" dirty="0" smtClean="0"/>
-              <a:t>창의</a:t>
-            </a:r>
-            <a:r>
               <a:rPr lang="ko-KR" altLang="en-US" dirty="0"/>
-              <a:t>성</a:t>
-            </a:r>
-          </a:p>
-        </p:txBody>
-      </p:sp>
+              <a:t>창의성</a:t>
+            </a:r>
+          </a:p>
+        </p:txBody>
+      </p:sp>
+      <p:pic>
+        <p:nvPicPr>
+          <p:cNvPr id="4" name="Picture 2" descr="í¬ë¦¬ì¤ ë§ì¤ í¸ë¦¬ì ëí ì´ë¯¸ì§ ê²ìê²°ê³¼">
+            <a:extLst>
+              <a:ext uri="{FF2B5EF4-FFF2-40B4-BE49-F238E27FC236}">
+                <a16:creationId xmlns:a16="http://schemas.microsoft.com/office/drawing/2014/main" id="{9467F8DE-CD09-4EA4-99ED-3549041F17D6}"/>
+              </a:ext>
+            </a:extLst>
+          </p:cNvPr>
+          <p:cNvPicPr>
+            <a:picLocks noChangeAspect="1" noChangeArrowheads="1"/>
+          </p:cNvPicPr>
+          <p:nvPr/>
+        </p:nvPicPr>
+        <p:blipFill>
+          <a:blip r:embed="rId2" cstate="print">
+            <a:extLst>
+              <a:ext uri="{28A0092B-C50C-407E-A947-70E740481C1C}">
+                <a14:useLocalDpi xmlns:a14="http://schemas.microsoft.com/office/drawing/2010/main" val="0"/>
+              </a:ext>
+            </a:extLst>
+          </a:blip>
+          <a:srcRect/>
+          <a:stretch>
+            <a:fillRect/>
+          </a:stretch>
+        </p:blipFill>
+        <p:spPr bwMode="auto">
+          <a:xfrm>
+            <a:off x="5580112" y="2204864"/>
+            <a:ext cx="2232248" cy="2777554"/>
+          </a:xfrm>
+          <a:prstGeom prst="rect">
+            <a:avLst/>
+          </a:prstGeom>
+          <a:noFill/>
+          <a:extLst>
+            <a:ext uri="{909E8E84-426E-40DD-AFC4-6F175D3DCCD1}">
+              <a14:hiddenFill xmlns:a14="http://schemas.microsoft.com/office/drawing/2010/main">
+                <a:solidFill>
+                  <a:srgbClr val="FFFFFF"/>
+                </a:solidFill>
+              </a14:hiddenFill>
+            </a:ext>
+          </a:extLst>
+        </p:spPr>
+      </p:pic>
     </p:spTree>
     <p:extLst>
       <p:ext uri="{BB962C8B-B14F-4D97-AF65-F5344CB8AC3E}">
@@ -4805,6 +4851,223 @@
       </p:grpSpPr>
       <p:sp>
         <p:nvSpPr>
+          <p:cNvPr id="3" name="제목 2">
+            <a:extLst>
+              <a:ext uri="{FF2B5EF4-FFF2-40B4-BE49-F238E27FC236}">
+                <a16:creationId xmlns:a16="http://schemas.microsoft.com/office/drawing/2014/main" id="{06D1F24C-58E8-49C3-8A98-D62861239AD9}"/>
+              </a:ext>
+            </a:extLst>
+          </p:cNvPr>
+          <p:cNvSpPr>
+            <a:spLocks noGrp="1"/>
+          </p:cNvSpPr>
+          <p:nvPr>
+            <p:ph type="title"/>
+          </p:nvPr>
+        </p:nvSpPr>
+        <p:spPr/>
+        <p:txBody>
+          <a:bodyPr/>
+          <a:lstStyle/>
+          <a:p>
+            <a:r>
+              <a:rPr lang="ko-KR" altLang="en-US" dirty="0"/>
+              <a:t>창의성</a:t>
+            </a:r>
+            <a:r>
+              <a:rPr lang="en-US" altLang="ko-KR" dirty="0"/>
+              <a:t>2</a:t>
+            </a:r>
+            <a:endParaRPr lang="ko-KR" altLang="en-US" dirty="0"/>
+          </a:p>
+        </p:txBody>
+      </p:sp>
+      <p:pic>
+        <p:nvPicPr>
+          <p:cNvPr id="1026" name="Picture 2" descr="í¬ë¦¬ì¤ ë§ì¤ í¸ë¦¬ì ëí ì´ë¯¸ì§ ê²ìê²°ê³¼">
+            <a:extLst>
+              <a:ext uri="{FF2B5EF4-FFF2-40B4-BE49-F238E27FC236}">
+                <a16:creationId xmlns:a16="http://schemas.microsoft.com/office/drawing/2014/main" id="{0CBC03C0-D13D-4994-9CC7-86CC4217EA79}"/>
+              </a:ext>
+            </a:extLst>
+          </p:cNvPr>
+          <p:cNvPicPr>
+            <a:picLocks noGrp="1" noChangeAspect="1" noChangeArrowheads="1"/>
+          </p:cNvPicPr>
+          <p:nvPr>
+            <p:ph idx="1"/>
+          </p:nvPr>
+        </p:nvPicPr>
+        <p:blipFill>
+          <a:blip r:embed="rId2">
+            <a:extLst>
+              <a:ext uri="{28A0092B-C50C-407E-A947-70E740481C1C}">
+                <a14:useLocalDpi xmlns:a14="http://schemas.microsoft.com/office/drawing/2010/main" val="0"/>
+              </a:ext>
+            </a:extLst>
+          </a:blip>
+          <a:srcRect/>
+          <a:stretch>
+            <a:fillRect/>
+          </a:stretch>
+        </p:blipFill>
+        <p:spPr bwMode="auto">
+          <a:xfrm>
+            <a:off x="683568" y="1244456"/>
+            <a:ext cx="3744416" cy="4659123"/>
+          </a:xfrm>
+          <a:prstGeom prst="rect">
+            <a:avLst/>
+          </a:prstGeom>
+          <a:noFill/>
+          <a:extLst>
+            <a:ext uri="{909E8E84-426E-40DD-AFC4-6F175D3DCCD1}">
+              <a14:hiddenFill xmlns:a14="http://schemas.microsoft.com/office/drawing/2010/main">
+                <a:solidFill>
+                  <a:srgbClr val="FFFFFF"/>
+                </a:solidFill>
+              </a14:hiddenFill>
+            </a:ext>
+          </a:extLst>
+        </p:spPr>
+      </p:pic>
+      <p:pic>
+        <p:nvPicPr>
+          <p:cNvPr id="4" name="그림 3">
+            <a:extLst>
+              <a:ext uri="{FF2B5EF4-FFF2-40B4-BE49-F238E27FC236}">
+                <a16:creationId xmlns:a16="http://schemas.microsoft.com/office/drawing/2014/main" id="{D6CED39B-E74B-48D9-B1EB-AC85778E2F1A}"/>
+              </a:ext>
+            </a:extLst>
+          </p:cNvPr>
+          <p:cNvPicPr>
+            <a:picLocks noChangeAspect="1"/>
+          </p:cNvPicPr>
+          <p:nvPr/>
+        </p:nvPicPr>
+        <p:blipFill>
+          <a:blip r:embed="rId3"/>
+          <a:stretch>
+            <a:fillRect/>
+          </a:stretch>
+        </p:blipFill>
+        <p:spPr>
+          <a:xfrm>
+            <a:off x="4808671" y="1196752"/>
+            <a:ext cx="2938385" cy="2938385"/>
+          </a:xfrm>
+          <a:prstGeom prst="rect">
+            <a:avLst/>
+          </a:prstGeom>
+        </p:spPr>
+      </p:pic>
+      <p:sp>
+        <p:nvSpPr>
+          <p:cNvPr id="5" name="AutoShape 4" descr="ì í­ì ëí ì´ë¯¸ì§ ê²ìê²°ê³¼">
+            <a:extLst>
+              <a:ext uri="{FF2B5EF4-FFF2-40B4-BE49-F238E27FC236}">
+                <a16:creationId xmlns:a16="http://schemas.microsoft.com/office/drawing/2014/main" id="{EACBEC12-6F0B-4E84-950B-D22CBF64A60F}"/>
+              </a:ext>
+            </a:extLst>
+          </p:cNvPr>
+          <p:cNvSpPr>
+            <a:spLocks noChangeAspect="1" noChangeArrowheads="1"/>
+          </p:cNvSpPr>
+          <p:nvPr/>
+        </p:nvSpPr>
+        <p:spPr bwMode="auto">
+          <a:xfrm>
+            <a:off x="4419600" y="3276600"/>
+            <a:ext cx="2384648" cy="2384648"/>
+          </a:xfrm>
+          <a:prstGeom prst="rect">
+            <a:avLst/>
+          </a:prstGeom>
+          <a:noFill/>
+          <a:extLst>
+            <a:ext uri="{909E8E84-426E-40DD-AFC4-6F175D3DCCD1}">
+              <a14:hiddenFill xmlns:a14="http://schemas.microsoft.com/office/drawing/2010/main">
+                <a:solidFill>
+                  <a:srgbClr val="FFFFFF"/>
+                </a:solidFill>
+              </a14:hiddenFill>
+            </a:ext>
+          </a:extLst>
+        </p:spPr>
+        <p:txBody>
+          <a:bodyPr vert="horz" wrap="square" lIns="91440" tIns="45720" rIns="91440" bIns="45720" numCol="1" anchor="t" anchorCtr="0" compatLnSpc="1">
+            <a:prstTxWarp prst="textNoShape">
+              <a:avLst/>
+            </a:prstTxWarp>
+          </a:bodyPr>
+          <a:lstStyle/>
+          <a:p>
+            <a:endParaRPr lang="ko-KR" altLang="en-US"/>
+          </a:p>
+        </p:txBody>
+      </p:sp>
+      <p:pic>
+        <p:nvPicPr>
+          <p:cNvPr id="6" name="그림 5">
+            <a:extLst>
+              <a:ext uri="{FF2B5EF4-FFF2-40B4-BE49-F238E27FC236}">
+                <a16:creationId xmlns:a16="http://schemas.microsoft.com/office/drawing/2014/main" id="{11C381F8-8573-4A78-A796-26FA7D874906}"/>
+              </a:ext>
+            </a:extLst>
+          </p:cNvPr>
+          <p:cNvPicPr>
+            <a:picLocks noChangeAspect="1"/>
+          </p:cNvPicPr>
+          <p:nvPr/>
+        </p:nvPicPr>
+        <p:blipFill>
+          <a:blip r:embed="rId4"/>
+          <a:stretch>
+            <a:fillRect/>
+          </a:stretch>
+        </p:blipFill>
+        <p:spPr>
+          <a:xfrm>
+            <a:off x="4714720" y="4185975"/>
+            <a:ext cx="2295525" cy="2000250"/>
+          </a:xfrm>
+          <a:prstGeom prst="rect">
+            <a:avLst/>
+          </a:prstGeom>
+        </p:spPr>
+      </p:pic>
+    </p:spTree>
+    <p:extLst>
+      <p:ext uri="{BB962C8B-B14F-4D97-AF65-F5344CB8AC3E}">
+        <p14:creationId xmlns:p14="http://schemas.microsoft.com/office/powerpoint/2010/main" val="3598984515"/>
+      </p:ext>
+    </p:extLst>
+  </p:cSld>
+  <p:clrMapOvr>
+    <a:masterClrMapping/>
+  </p:clrMapOvr>
+</p:sld>
+</file>
+
+<file path=ppt/slides/slide5.xml><?xml version="1.0" encoding="utf-8"?>
+<p:sld xmlns:a="http://schemas.openxmlformats.org/drawingml/2006/main" xmlns:r="http://schemas.openxmlformats.org/officeDocument/2006/relationships" xmlns:p="http://schemas.openxmlformats.org/presentationml/2006/main">
+  <p:cSld>
+    <p:spTree>
+      <p:nvGrpSpPr>
+        <p:cNvPr id="1" name=""/>
+        <p:cNvGrpSpPr/>
+        <p:nvPr/>
+      </p:nvGrpSpPr>
+      <p:grpSpPr>
+        <a:xfrm>
+          <a:off x="0" y="0"/>
+          <a:ext cx="0" cy="0"/>
+          <a:chOff x="0" y="0"/>
+          <a:chExt cx="0" cy="0"/>
+        </a:xfrm>
+      </p:grpSpPr>
+      <p:sp>
+        <p:nvSpPr>
           <p:cNvPr id="2" name="내용 개체 틀 1"/>
           <p:cNvSpPr>
             <a:spLocks noGrp="1"/>
@@ -4838,15 +5101,7 @@
             </a:r>
             <a:r>
               <a:rPr lang="ko-KR" altLang="en-US" dirty="0"/>
-              <a:t>장애물을 </a:t>
-            </a:r>
-            <a:r>
-              <a:rPr lang="ko-KR" altLang="en-US" dirty="0" smtClean="0"/>
-              <a:t>만났을 때 </a:t>
-            </a:r>
-            <a:r>
-              <a:rPr lang="ko-KR" altLang="en-US" dirty="0"/>
-              <a:t>소리가 달라진다</a:t>
+              <a:t>장애물을 만났을 때 소리가 달라진다</a:t>
             </a:r>
             <a:r>
               <a:rPr lang="en-US" altLang="ko-KR" dirty="0"/>
@@ -4874,15 +5129,15 @@
           <a:lstStyle/>
           <a:p>
             <a:r>
-              <a:rPr lang="en-US" altLang="ko-KR" dirty="0" smtClean="0"/>
+              <a:rPr lang="en-US" altLang="ko-KR" dirty="0"/>
               <a:t> AD</a:t>
             </a:r>
             <a:r>
-              <a:rPr lang="ko-KR" altLang="en-US" dirty="0" smtClean="0"/>
+              <a:rPr lang="ko-KR" altLang="en-US" dirty="0"/>
               <a:t>과제 목표 </a:t>
             </a:r>
             <a:r>
-              <a:rPr lang="en-US" altLang="ko-KR" dirty="0" smtClean="0"/>
+              <a:rPr lang="en-US" altLang="ko-KR" dirty="0"/>
               <a:t>2</a:t>
             </a:r>
             <a:endParaRPr lang="ko-KR" altLang="en-US" dirty="0"/>
@@ -4956,7 +5211,7 @@
 </p:sld>
 </file>
 
-<file path=ppt/slides/slide5.xml><?xml version="1.0" encoding="utf-8"?>
+<file path=ppt/slides/slide6.xml><?xml version="1.0" encoding="utf-8"?>
 <p:sld xmlns:a="http://schemas.openxmlformats.org/drawingml/2006/main" xmlns:r="http://schemas.openxmlformats.org/officeDocument/2006/relationships" xmlns:p="http://schemas.openxmlformats.org/presentationml/2006/main">
   <p:cSld>
     <p:spTree>
@@ -4989,56 +5244,56 @@
           <a:lstStyle/>
           <a:p>
             <a:r>
-              <a:rPr lang="en-US" altLang="ko-KR" dirty="0" smtClean="0"/>
+              <a:rPr lang="en-US" altLang="ko-KR" dirty="0"/>
               <a:t>1. RGB </a:t>
             </a:r>
             <a:r>
-              <a:rPr lang="ko-KR" altLang="en-US" dirty="0" smtClean="0"/>
+              <a:rPr lang="ko-KR" altLang="en-US" dirty="0"/>
               <a:t>센서 </a:t>
             </a:r>
             <a:r>
-              <a:rPr lang="en-US" altLang="ko-KR" b="1" dirty="0" smtClean="0"/>
+              <a:rPr lang="en-US" altLang="ko-KR" b="1" dirty="0"/>
               <a:t>TCS34725</a:t>
             </a:r>
-            <a:endParaRPr lang="en-US" altLang="ko-KR" dirty="0" smtClean="0"/>
-          </a:p>
-          <a:p>
-            <a:endParaRPr lang="en-US" altLang="ko-KR" dirty="0" smtClean="0"/>
-          </a:p>
-          <a:p>
-            <a:r>
-              <a:rPr lang="en-US" altLang="ko-KR" dirty="0" smtClean="0"/>
+            <a:endParaRPr lang="en-US" altLang="ko-KR" dirty="0"/>
+          </a:p>
+          <a:p>
+            <a:endParaRPr lang="en-US" altLang="ko-KR" dirty="0"/>
+          </a:p>
+          <a:p>
+            <a:r>
+              <a:rPr lang="en-US" altLang="ko-KR" dirty="0"/>
               <a:t>2. </a:t>
             </a:r>
             <a:r>
-              <a:rPr lang="ko-KR" altLang="en-US" dirty="0" smtClean="0"/>
+              <a:rPr lang="ko-KR" altLang="en-US" dirty="0"/>
               <a:t>초음파 센서 </a:t>
             </a:r>
             <a:r>
-              <a:rPr lang="en-US" altLang="ko-KR" dirty="0" smtClean="0"/>
+              <a:rPr lang="en-US" altLang="ko-KR" dirty="0"/>
               <a:t>SR023</a:t>
             </a:r>
           </a:p>
           <a:p>
-            <a:endParaRPr lang="en-US" altLang="ko-KR" dirty="0" smtClean="0"/>
-          </a:p>
-          <a:p>
-            <a:r>
-              <a:rPr lang="en-US" altLang="ko-KR" dirty="0" smtClean="0"/>
+            <a:endParaRPr lang="en-US" altLang="ko-KR" dirty="0"/>
+          </a:p>
+          <a:p>
+            <a:r>
+              <a:rPr lang="en-US" altLang="ko-KR" dirty="0"/>
               <a:t>3. 5</a:t>
             </a:r>
             <a:r>
-              <a:rPr lang="ko-KR" altLang="en-US" dirty="0" smtClean="0"/>
+              <a:rPr lang="ko-KR" altLang="en-US" dirty="0"/>
               <a:t>방향 추적센서</a:t>
             </a:r>
-            <a:endParaRPr lang="en-US" altLang="ko-KR" dirty="0" smtClean="0"/>
-          </a:p>
-          <a:p>
-            <a:endParaRPr lang="en-US" altLang="ko-KR" dirty="0" smtClean="0"/>
-          </a:p>
-          <a:p>
-            <a:r>
-              <a:rPr lang="en-US" altLang="ko-KR" dirty="0" smtClean="0"/>
+            <a:endParaRPr lang="en-US" altLang="ko-KR" dirty="0"/>
+          </a:p>
+          <a:p>
+            <a:endParaRPr lang="en-US" altLang="ko-KR" dirty="0"/>
+          </a:p>
+          <a:p>
+            <a:r>
+              <a:rPr lang="en-US" altLang="ko-KR" dirty="0"/>
               <a:t>4. BUZZER</a:t>
             </a:r>
             <a:endParaRPr lang="ko-KR" altLang="en-US" dirty="0"/>
@@ -5061,18 +5316,17 @@
           <a:lstStyle/>
           <a:p>
             <a:r>
-              <a:rPr lang="ko-KR" altLang="en-US" dirty="0" smtClean="0"/>
+              <a:rPr lang="ko-KR" altLang="en-US" dirty="0"/>
               <a:t>사용 센서 </a:t>
             </a:r>
             <a:r>
-              <a:rPr lang="en-US" altLang="ko-KR" dirty="0" smtClean="0"/>
+              <a:rPr lang="en-US" altLang="ko-KR" dirty="0"/>
               <a:t>4</a:t>
             </a:r>
             <a:r>
-              <a:rPr lang="ko-KR" altLang="en-US" dirty="0" smtClean="0"/>
+              <a:rPr lang="ko-KR" altLang="en-US" dirty="0"/>
               <a:t>개</a:t>
             </a:r>
-            <a:endParaRPr lang="ko-KR" altLang="en-US" dirty="0"/>
           </a:p>
         </p:txBody>
       </p:sp>

--- a/AD_과제9조PPT.pptx
+++ b/AD_과제9조PPT.pptx
@@ -7,10 +7,11 @@
   <p:sldIdLst>
     <p:sldId id="256" r:id="rId2"/>
     <p:sldId id="257" r:id="rId3"/>
-    <p:sldId id="260" r:id="rId4"/>
-    <p:sldId id="261" r:id="rId5"/>
-    <p:sldId id="258" r:id="rId6"/>
-    <p:sldId id="259" r:id="rId7"/>
+    <p:sldId id="258" r:id="rId4"/>
+    <p:sldId id="262" r:id="rId5"/>
+    <p:sldId id="260" r:id="rId6"/>
+    <p:sldId id="261" r:id="rId7"/>
+    <p:sldId id="259" r:id="rId8"/>
   </p:sldIdLst>
   <p:sldSz cx="9144000" cy="6858000" type="screen4x3"/>
   <p:notesSz cx="6858000" cy="9144000"/>
@@ -4600,487 +4601,6 @@
           <a:bodyPr/>
           <a:lstStyle/>
           <a:p>
-            <a:pPr marL="514350" indent="-514350">
-              <a:buAutoNum type="arabicPeriod"/>
-            </a:pPr>
-            <a:r>
-              <a:rPr lang="ko-KR" altLang="en-US" dirty="0"/>
-              <a:t>평소에는 </a:t>
-            </a:r>
-            <a:r>
-              <a:rPr lang="ko-KR" altLang="en-US" dirty="0" err="1"/>
-              <a:t>달릴때</a:t>
-            </a:r>
-            <a:r>
-              <a:rPr lang="ko-KR" altLang="en-US" dirty="0"/>
-              <a:t> 기본노래와 초록색 </a:t>
-            </a:r>
-            <a:r>
-              <a:rPr lang="en-US" altLang="ko-KR" dirty="0"/>
-              <a:t>led </a:t>
-            </a:r>
-            <a:r>
-              <a:rPr lang="ko-KR" altLang="en-US" dirty="0"/>
-              <a:t>트리 신호를 키고 달린다</a:t>
-            </a:r>
-            <a:r>
-              <a:rPr lang="en-US" altLang="ko-KR" dirty="0"/>
-              <a:t>.</a:t>
-            </a:r>
-          </a:p>
-          <a:p>
-            <a:pPr marL="0" indent="0">
-              <a:buNone/>
-            </a:pPr>
-            <a:r>
-              <a:rPr lang="en-US" altLang="ko-KR" dirty="0"/>
-              <a:t>=&gt;</a:t>
-            </a:r>
-            <a:r>
-              <a:rPr lang="ko-KR" altLang="en-US" dirty="0"/>
-              <a:t>신나게 </a:t>
-            </a:r>
-            <a:r>
-              <a:rPr lang="ko-KR" altLang="en-US" dirty="0" err="1"/>
-              <a:t>달릴수</a:t>
-            </a:r>
-            <a:r>
-              <a:rPr lang="ko-KR" altLang="en-US" dirty="0"/>
-              <a:t> 있다</a:t>
-            </a:r>
-            <a:r>
-              <a:rPr lang="en-US" altLang="ko-KR" dirty="0"/>
-              <a:t>. </a:t>
-            </a:r>
-          </a:p>
-          <a:p>
-            <a:pPr marL="0" indent="0">
-              <a:buNone/>
-            </a:pPr>
-            <a:r>
-              <a:rPr lang="en-US" altLang="ko-KR" dirty="0"/>
-              <a:t>2. </a:t>
-            </a:r>
-            <a:r>
-              <a:rPr lang="ko-KR" altLang="en-US" dirty="0"/>
-              <a:t>신호등을 </a:t>
-            </a:r>
-            <a:r>
-              <a:rPr lang="ko-KR" altLang="en-US" dirty="0" err="1"/>
-              <a:t>만났을때</a:t>
-            </a:r>
-            <a:r>
-              <a:rPr lang="ko-KR" altLang="en-US" dirty="0"/>
-              <a:t> </a:t>
-            </a:r>
-            <a:endParaRPr lang="en-US" altLang="ko-KR" dirty="0"/>
-          </a:p>
-          <a:p>
-            <a:pPr marL="0" indent="0">
-              <a:buNone/>
-            </a:pPr>
-            <a:r>
-              <a:rPr lang="en-US" altLang="ko-KR" dirty="0"/>
-              <a:t>-</a:t>
-            </a:r>
-            <a:r>
-              <a:rPr lang="ko-KR" altLang="en-US" dirty="0"/>
-              <a:t>노래가 바뀐다</a:t>
-            </a:r>
-            <a:r>
-              <a:rPr lang="en-US" altLang="ko-KR" dirty="0"/>
-              <a:t>. </a:t>
-            </a:r>
-          </a:p>
-          <a:p>
-            <a:pPr marL="0" indent="0">
-              <a:buNone/>
-            </a:pPr>
-            <a:r>
-              <a:rPr lang="en-US" altLang="ko-KR" dirty="0"/>
-              <a:t>3. </a:t>
-            </a:r>
-            <a:r>
-              <a:rPr lang="ko-KR" altLang="en-US" dirty="0"/>
-              <a:t>장애물을 </a:t>
-            </a:r>
-            <a:r>
-              <a:rPr lang="ko-KR" altLang="en-US" dirty="0" err="1"/>
-              <a:t>만났을때</a:t>
-            </a:r>
-            <a:endParaRPr lang="en-US" altLang="ko-KR" dirty="0"/>
-          </a:p>
-          <a:p>
-            <a:pPr marL="0" indent="0">
-              <a:buNone/>
-            </a:pPr>
-            <a:r>
-              <a:rPr lang="en-US" altLang="ko-KR" dirty="0"/>
-              <a:t>=&gt;</a:t>
-            </a:r>
-            <a:r>
-              <a:rPr lang="ko-KR" altLang="en-US" dirty="0"/>
-              <a:t>위험하다고 </a:t>
-            </a:r>
-            <a:r>
-              <a:rPr lang="ko-KR" altLang="en-US" dirty="0" err="1"/>
-              <a:t>뒷차에게</a:t>
-            </a:r>
-            <a:r>
-              <a:rPr lang="ko-KR" altLang="en-US" dirty="0"/>
-              <a:t> 알리기 위해 </a:t>
-            </a:r>
-            <a:r>
-              <a:rPr lang="ko-KR" altLang="en-US" dirty="0" err="1"/>
-              <a:t>빨간불</a:t>
-            </a:r>
-            <a:r>
-              <a:rPr lang="en-US" altLang="ko-KR" dirty="0"/>
-              <a:t> led </a:t>
-            </a:r>
-            <a:r>
-              <a:rPr lang="ko-KR" altLang="en-US" dirty="0"/>
-              <a:t>센서를 킨다</a:t>
-            </a:r>
-            <a:r>
-              <a:rPr lang="en-US" altLang="ko-KR" dirty="0"/>
-              <a:t>. </a:t>
-            </a:r>
-            <a:endParaRPr lang="ko-KR" altLang="en-US" dirty="0"/>
-          </a:p>
-        </p:txBody>
-      </p:sp>
-      <p:sp>
-        <p:nvSpPr>
-          <p:cNvPr id="3" name="제목 2"/>
-          <p:cNvSpPr>
-            <a:spLocks noGrp="1"/>
-          </p:cNvSpPr>
-          <p:nvPr>
-            <p:ph type="title"/>
-          </p:nvPr>
-        </p:nvSpPr>
-        <p:spPr/>
-        <p:txBody>
-          <a:bodyPr/>
-          <a:lstStyle/>
-          <a:p>
-            <a:r>
-              <a:rPr lang="ko-KR" altLang="en-US" dirty="0"/>
-              <a:t>창의성</a:t>
-            </a:r>
-          </a:p>
-        </p:txBody>
-      </p:sp>
-      <p:pic>
-        <p:nvPicPr>
-          <p:cNvPr id="4" name="Picture 2" descr="í¬ë¦¬ì¤ ë§ì¤ í¸ë¦¬ì ëí ì´ë¯¸ì§ ê²ìê²°ê³¼">
-            <a:extLst>
-              <a:ext uri="{FF2B5EF4-FFF2-40B4-BE49-F238E27FC236}">
-                <a16:creationId xmlns:a16="http://schemas.microsoft.com/office/drawing/2014/main" id="{9467F8DE-CD09-4EA4-99ED-3549041F17D6}"/>
-              </a:ext>
-            </a:extLst>
-          </p:cNvPr>
-          <p:cNvPicPr>
-            <a:picLocks noChangeAspect="1" noChangeArrowheads="1"/>
-          </p:cNvPicPr>
-          <p:nvPr/>
-        </p:nvPicPr>
-        <p:blipFill>
-          <a:blip r:embed="rId2" cstate="print">
-            <a:extLst>
-              <a:ext uri="{28A0092B-C50C-407E-A947-70E740481C1C}">
-                <a14:useLocalDpi xmlns:a14="http://schemas.microsoft.com/office/drawing/2010/main" val="0"/>
-              </a:ext>
-            </a:extLst>
-          </a:blip>
-          <a:srcRect/>
-          <a:stretch>
-            <a:fillRect/>
-          </a:stretch>
-        </p:blipFill>
-        <p:spPr bwMode="auto">
-          <a:xfrm>
-            <a:off x="5580112" y="2204864"/>
-            <a:ext cx="2232248" cy="2777554"/>
-          </a:xfrm>
-          <a:prstGeom prst="rect">
-            <a:avLst/>
-          </a:prstGeom>
-          <a:noFill/>
-          <a:extLst>
-            <a:ext uri="{909E8E84-426E-40DD-AFC4-6F175D3DCCD1}">
-              <a14:hiddenFill xmlns:a14="http://schemas.microsoft.com/office/drawing/2010/main">
-                <a:solidFill>
-                  <a:srgbClr val="FFFFFF"/>
-                </a:solidFill>
-              </a14:hiddenFill>
-            </a:ext>
-          </a:extLst>
-        </p:spPr>
-      </p:pic>
-    </p:spTree>
-    <p:extLst>
-      <p:ext uri="{BB962C8B-B14F-4D97-AF65-F5344CB8AC3E}">
-        <p14:creationId xmlns:p14="http://schemas.microsoft.com/office/powerpoint/2010/main" val="1294277136"/>
-      </p:ext>
-    </p:extLst>
-  </p:cSld>
-  <p:clrMapOvr>
-    <a:masterClrMapping/>
-  </p:clrMapOvr>
-</p:sld>
-</file>
-
-<file path=ppt/slides/slide4.xml><?xml version="1.0" encoding="utf-8"?>
-<p:sld xmlns:a="http://schemas.openxmlformats.org/drawingml/2006/main" xmlns:r="http://schemas.openxmlformats.org/officeDocument/2006/relationships" xmlns:p="http://schemas.openxmlformats.org/presentationml/2006/main">
-  <p:cSld>
-    <p:spTree>
-      <p:nvGrpSpPr>
-        <p:cNvPr id="1" name=""/>
-        <p:cNvGrpSpPr/>
-        <p:nvPr/>
-      </p:nvGrpSpPr>
-      <p:grpSpPr>
-        <a:xfrm>
-          <a:off x="0" y="0"/>
-          <a:ext cx="0" cy="0"/>
-          <a:chOff x="0" y="0"/>
-          <a:chExt cx="0" cy="0"/>
-        </a:xfrm>
-      </p:grpSpPr>
-      <p:sp>
-        <p:nvSpPr>
-          <p:cNvPr id="3" name="제목 2">
-            <a:extLst>
-              <a:ext uri="{FF2B5EF4-FFF2-40B4-BE49-F238E27FC236}">
-                <a16:creationId xmlns:a16="http://schemas.microsoft.com/office/drawing/2014/main" id="{06D1F24C-58E8-49C3-8A98-D62861239AD9}"/>
-              </a:ext>
-            </a:extLst>
-          </p:cNvPr>
-          <p:cNvSpPr>
-            <a:spLocks noGrp="1"/>
-          </p:cNvSpPr>
-          <p:nvPr>
-            <p:ph type="title"/>
-          </p:nvPr>
-        </p:nvSpPr>
-        <p:spPr/>
-        <p:txBody>
-          <a:bodyPr/>
-          <a:lstStyle/>
-          <a:p>
-            <a:r>
-              <a:rPr lang="ko-KR" altLang="en-US" dirty="0"/>
-              <a:t>창의성</a:t>
-            </a:r>
-            <a:r>
-              <a:rPr lang="en-US" altLang="ko-KR" dirty="0"/>
-              <a:t>2</a:t>
-            </a:r>
-            <a:endParaRPr lang="ko-KR" altLang="en-US" dirty="0"/>
-          </a:p>
-        </p:txBody>
-      </p:sp>
-      <p:pic>
-        <p:nvPicPr>
-          <p:cNvPr id="1026" name="Picture 2" descr="í¬ë¦¬ì¤ ë§ì¤ í¸ë¦¬ì ëí ì´ë¯¸ì§ ê²ìê²°ê³¼">
-            <a:extLst>
-              <a:ext uri="{FF2B5EF4-FFF2-40B4-BE49-F238E27FC236}">
-                <a16:creationId xmlns:a16="http://schemas.microsoft.com/office/drawing/2014/main" id="{0CBC03C0-D13D-4994-9CC7-86CC4217EA79}"/>
-              </a:ext>
-            </a:extLst>
-          </p:cNvPr>
-          <p:cNvPicPr>
-            <a:picLocks noGrp="1" noChangeAspect="1" noChangeArrowheads="1"/>
-          </p:cNvPicPr>
-          <p:nvPr>
-            <p:ph idx="1"/>
-          </p:nvPr>
-        </p:nvPicPr>
-        <p:blipFill>
-          <a:blip r:embed="rId2">
-            <a:extLst>
-              <a:ext uri="{28A0092B-C50C-407E-A947-70E740481C1C}">
-                <a14:useLocalDpi xmlns:a14="http://schemas.microsoft.com/office/drawing/2010/main" val="0"/>
-              </a:ext>
-            </a:extLst>
-          </a:blip>
-          <a:srcRect/>
-          <a:stretch>
-            <a:fillRect/>
-          </a:stretch>
-        </p:blipFill>
-        <p:spPr bwMode="auto">
-          <a:xfrm>
-            <a:off x="683568" y="1244456"/>
-            <a:ext cx="3744416" cy="4659123"/>
-          </a:xfrm>
-          <a:prstGeom prst="rect">
-            <a:avLst/>
-          </a:prstGeom>
-          <a:noFill/>
-          <a:extLst>
-            <a:ext uri="{909E8E84-426E-40DD-AFC4-6F175D3DCCD1}">
-              <a14:hiddenFill xmlns:a14="http://schemas.microsoft.com/office/drawing/2010/main">
-                <a:solidFill>
-                  <a:srgbClr val="FFFFFF"/>
-                </a:solidFill>
-              </a14:hiddenFill>
-            </a:ext>
-          </a:extLst>
-        </p:spPr>
-      </p:pic>
-      <p:pic>
-        <p:nvPicPr>
-          <p:cNvPr id="4" name="그림 3">
-            <a:extLst>
-              <a:ext uri="{FF2B5EF4-FFF2-40B4-BE49-F238E27FC236}">
-                <a16:creationId xmlns:a16="http://schemas.microsoft.com/office/drawing/2014/main" id="{D6CED39B-E74B-48D9-B1EB-AC85778E2F1A}"/>
-              </a:ext>
-            </a:extLst>
-          </p:cNvPr>
-          <p:cNvPicPr>
-            <a:picLocks noChangeAspect="1"/>
-          </p:cNvPicPr>
-          <p:nvPr/>
-        </p:nvPicPr>
-        <p:blipFill>
-          <a:blip r:embed="rId3"/>
-          <a:stretch>
-            <a:fillRect/>
-          </a:stretch>
-        </p:blipFill>
-        <p:spPr>
-          <a:xfrm>
-            <a:off x="4808671" y="1196752"/>
-            <a:ext cx="2938385" cy="2938385"/>
-          </a:xfrm>
-          <a:prstGeom prst="rect">
-            <a:avLst/>
-          </a:prstGeom>
-        </p:spPr>
-      </p:pic>
-      <p:sp>
-        <p:nvSpPr>
-          <p:cNvPr id="5" name="AutoShape 4" descr="ì í­ì ëí ì´ë¯¸ì§ ê²ìê²°ê³¼">
-            <a:extLst>
-              <a:ext uri="{FF2B5EF4-FFF2-40B4-BE49-F238E27FC236}">
-                <a16:creationId xmlns:a16="http://schemas.microsoft.com/office/drawing/2014/main" id="{EACBEC12-6F0B-4E84-950B-D22CBF64A60F}"/>
-              </a:ext>
-            </a:extLst>
-          </p:cNvPr>
-          <p:cNvSpPr>
-            <a:spLocks noChangeAspect="1" noChangeArrowheads="1"/>
-          </p:cNvSpPr>
-          <p:nvPr/>
-        </p:nvSpPr>
-        <p:spPr bwMode="auto">
-          <a:xfrm>
-            <a:off x="4419600" y="3276600"/>
-            <a:ext cx="2384648" cy="2384648"/>
-          </a:xfrm>
-          <a:prstGeom prst="rect">
-            <a:avLst/>
-          </a:prstGeom>
-          <a:noFill/>
-          <a:extLst>
-            <a:ext uri="{909E8E84-426E-40DD-AFC4-6F175D3DCCD1}">
-              <a14:hiddenFill xmlns:a14="http://schemas.microsoft.com/office/drawing/2010/main">
-                <a:solidFill>
-                  <a:srgbClr val="FFFFFF"/>
-                </a:solidFill>
-              </a14:hiddenFill>
-            </a:ext>
-          </a:extLst>
-        </p:spPr>
-        <p:txBody>
-          <a:bodyPr vert="horz" wrap="square" lIns="91440" tIns="45720" rIns="91440" bIns="45720" numCol="1" anchor="t" anchorCtr="0" compatLnSpc="1">
-            <a:prstTxWarp prst="textNoShape">
-              <a:avLst/>
-            </a:prstTxWarp>
-          </a:bodyPr>
-          <a:lstStyle/>
-          <a:p>
-            <a:endParaRPr lang="ko-KR" altLang="en-US"/>
-          </a:p>
-        </p:txBody>
-      </p:sp>
-      <p:pic>
-        <p:nvPicPr>
-          <p:cNvPr id="6" name="그림 5">
-            <a:extLst>
-              <a:ext uri="{FF2B5EF4-FFF2-40B4-BE49-F238E27FC236}">
-                <a16:creationId xmlns:a16="http://schemas.microsoft.com/office/drawing/2014/main" id="{11C381F8-8573-4A78-A796-26FA7D874906}"/>
-              </a:ext>
-            </a:extLst>
-          </p:cNvPr>
-          <p:cNvPicPr>
-            <a:picLocks noChangeAspect="1"/>
-          </p:cNvPicPr>
-          <p:nvPr/>
-        </p:nvPicPr>
-        <p:blipFill>
-          <a:blip r:embed="rId4"/>
-          <a:stretch>
-            <a:fillRect/>
-          </a:stretch>
-        </p:blipFill>
-        <p:spPr>
-          <a:xfrm>
-            <a:off x="4714720" y="4185975"/>
-            <a:ext cx="2295525" cy="2000250"/>
-          </a:xfrm>
-          <a:prstGeom prst="rect">
-            <a:avLst/>
-          </a:prstGeom>
-        </p:spPr>
-      </p:pic>
-    </p:spTree>
-    <p:extLst>
-      <p:ext uri="{BB962C8B-B14F-4D97-AF65-F5344CB8AC3E}">
-        <p14:creationId xmlns:p14="http://schemas.microsoft.com/office/powerpoint/2010/main" val="3598984515"/>
-      </p:ext>
-    </p:extLst>
-  </p:cSld>
-  <p:clrMapOvr>
-    <a:masterClrMapping/>
-  </p:clrMapOvr>
-</p:sld>
-</file>
-
-<file path=ppt/slides/slide5.xml><?xml version="1.0" encoding="utf-8"?>
-<p:sld xmlns:a="http://schemas.openxmlformats.org/drawingml/2006/main" xmlns:r="http://schemas.openxmlformats.org/officeDocument/2006/relationships" xmlns:p="http://schemas.openxmlformats.org/presentationml/2006/main">
-  <p:cSld>
-    <p:spTree>
-      <p:nvGrpSpPr>
-        <p:cNvPr id="1" name=""/>
-        <p:cNvGrpSpPr/>
-        <p:nvPr/>
-      </p:nvGrpSpPr>
-      <p:grpSpPr>
-        <a:xfrm>
-          <a:off x="0" y="0"/>
-          <a:ext cx="0" cy="0"/>
-          <a:chOff x="0" y="0"/>
-          <a:chExt cx="0" cy="0"/>
-        </a:xfrm>
-      </p:grpSpPr>
-      <p:sp>
-        <p:nvSpPr>
-          <p:cNvPr id="2" name="내용 개체 틀 1"/>
-          <p:cNvSpPr>
-            <a:spLocks noGrp="1"/>
-          </p:cNvSpPr>
-          <p:nvPr>
-            <p:ph idx="1"/>
-          </p:nvPr>
-        </p:nvSpPr>
-        <p:spPr/>
-        <p:txBody>
-          <a:bodyPr/>
-          <a:lstStyle/>
-          <a:p>
             <a:r>
               <a:rPr lang="en-US" altLang="ko-KR" dirty="0"/>
               <a:t>2. BUZZER</a:t>
@@ -5211,6 +4731,362 @@
 </p:sld>
 </file>
 
+<file path=ppt/slides/slide4.xml><?xml version="1.0" encoding="utf-8"?>
+<p:sld xmlns:a="http://schemas.openxmlformats.org/drawingml/2006/main" xmlns:r="http://schemas.openxmlformats.org/officeDocument/2006/relationships" xmlns:p="http://schemas.openxmlformats.org/presentationml/2006/main">
+  <p:cSld>
+    <p:spTree>
+      <p:nvGrpSpPr>
+        <p:cNvPr id="1" name=""/>
+        <p:cNvGrpSpPr/>
+        <p:nvPr/>
+      </p:nvGrpSpPr>
+      <p:grpSpPr>
+        <a:xfrm>
+          <a:off x="0" y="0"/>
+          <a:ext cx="0" cy="0"/>
+          <a:chOff x="0" y="0"/>
+          <a:chExt cx="0" cy="0"/>
+        </a:xfrm>
+      </p:grpSpPr>
+      <p:sp>
+        <p:nvSpPr>
+          <p:cNvPr id="3" name="제목 2">
+            <a:extLst>
+              <a:ext uri="{FF2B5EF4-FFF2-40B4-BE49-F238E27FC236}">
+                <a16:creationId xmlns:a16="http://schemas.microsoft.com/office/drawing/2014/main" id="{BF9690BC-D4BD-404A-9D67-950F24E33439}"/>
+              </a:ext>
+            </a:extLst>
+          </p:cNvPr>
+          <p:cNvSpPr>
+            <a:spLocks noGrp="1"/>
+          </p:cNvSpPr>
+          <p:nvPr>
+            <p:ph type="title"/>
+          </p:nvPr>
+        </p:nvSpPr>
+        <p:spPr/>
+        <p:txBody>
+          <a:bodyPr/>
+          <a:lstStyle/>
+          <a:p>
+            <a:r>
+              <a:rPr lang="ko-KR" altLang="en-US" dirty="0" err="1"/>
+              <a:t>루돌프</a:t>
+            </a:r>
+            <a:r>
+              <a:rPr lang="ko-KR" altLang="en-US" dirty="0"/>
+              <a:t> 카를 만들자</a:t>
+            </a:r>
+          </a:p>
+        </p:txBody>
+      </p:sp>
+      <p:pic>
+        <p:nvPicPr>
+          <p:cNvPr id="7" name="그림 6">
+            <a:extLst>
+              <a:ext uri="{FF2B5EF4-FFF2-40B4-BE49-F238E27FC236}">
+                <a16:creationId xmlns:a16="http://schemas.microsoft.com/office/drawing/2014/main" id="{8F85A968-762F-4850-AA32-662FD34139C3}"/>
+              </a:ext>
+            </a:extLst>
+          </p:cNvPr>
+          <p:cNvPicPr>
+            <a:picLocks noChangeAspect="1"/>
+          </p:cNvPicPr>
+          <p:nvPr/>
+        </p:nvPicPr>
+        <p:blipFill>
+          <a:blip r:embed="rId2"/>
+          <a:stretch>
+            <a:fillRect/>
+          </a:stretch>
+        </p:blipFill>
+        <p:spPr>
+          <a:xfrm>
+            <a:off x="1187624" y="1412776"/>
+            <a:ext cx="5672079" cy="3176364"/>
+          </a:xfrm>
+          <a:prstGeom prst="rect">
+            <a:avLst/>
+          </a:prstGeom>
+        </p:spPr>
+      </p:pic>
+    </p:spTree>
+    <p:extLst>
+      <p:ext uri="{BB962C8B-B14F-4D97-AF65-F5344CB8AC3E}">
+        <p14:creationId xmlns:p14="http://schemas.microsoft.com/office/powerpoint/2010/main" val="4039727029"/>
+      </p:ext>
+    </p:extLst>
+  </p:cSld>
+  <p:clrMapOvr>
+    <a:masterClrMapping/>
+  </p:clrMapOvr>
+</p:sld>
+</file>
+
+<file path=ppt/slides/slide5.xml><?xml version="1.0" encoding="utf-8"?>
+<p:sld xmlns:a="http://schemas.openxmlformats.org/drawingml/2006/main" xmlns:r="http://schemas.openxmlformats.org/officeDocument/2006/relationships" xmlns:p="http://schemas.openxmlformats.org/presentationml/2006/main">
+  <p:cSld>
+    <p:spTree>
+      <p:nvGrpSpPr>
+        <p:cNvPr id="1" name=""/>
+        <p:cNvGrpSpPr/>
+        <p:nvPr/>
+      </p:nvGrpSpPr>
+      <p:grpSpPr>
+        <a:xfrm>
+          <a:off x="0" y="0"/>
+          <a:ext cx="0" cy="0"/>
+          <a:chOff x="0" y="0"/>
+          <a:chExt cx="0" cy="0"/>
+        </a:xfrm>
+      </p:grpSpPr>
+      <p:sp>
+        <p:nvSpPr>
+          <p:cNvPr id="2" name="내용 개체 틀 1"/>
+          <p:cNvSpPr>
+            <a:spLocks noGrp="1"/>
+          </p:cNvSpPr>
+          <p:nvPr>
+            <p:ph idx="1"/>
+          </p:nvPr>
+        </p:nvSpPr>
+        <p:spPr/>
+        <p:txBody>
+          <a:bodyPr/>
+          <a:lstStyle/>
+          <a:p>
+            <a:pPr marL="514350" indent="-514350">
+              <a:buAutoNum type="arabicPeriod"/>
+            </a:pPr>
+            <a:r>
+              <a:rPr lang="ko-KR" altLang="en-US" dirty="0"/>
+              <a:t>평소에는 </a:t>
+            </a:r>
+            <a:r>
+              <a:rPr lang="ko-KR" altLang="en-US" dirty="0" err="1"/>
+              <a:t>달릴때</a:t>
+            </a:r>
+            <a:r>
+              <a:rPr lang="ko-KR" altLang="en-US" dirty="0"/>
+              <a:t> 기본노래와 초록색 </a:t>
+            </a:r>
+            <a:r>
+              <a:rPr lang="en-US" altLang="ko-KR" dirty="0"/>
+              <a:t>led </a:t>
+            </a:r>
+            <a:r>
+              <a:rPr lang="ko-KR" altLang="en-US" dirty="0"/>
+              <a:t>트리 신호를 키고 달린다</a:t>
+            </a:r>
+            <a:r>
+              <a:rPr lang="en-US" altLang="ko-KR" dirty="0"/>
+              <a:t>.</a:t>
+            </a:r>
+          </a:p>
+          <a:p>
+            <a:pPr marL="0" indent="0">
+              <a:buNone/>
+            </a:pPr>
+            <a:r>
+              <a:rPr lang="en-US" altLang="ko-KR" dirty="0"/>
+              <a:t>=&gt;</a:t>
+            </a:r>
+            <a:r>
+              <a:rPr lang="ko-KR" altLang="en-US" dirty="0"/>
+              <a:t>신나게 </a:t>
+            </a:r>
+            <a:r>
+              <a:rPr lang="ko-KR" altLang="en-US" dirty="0" err="1"/>
+              <a:t>달릴수</a:t>
+            </a:r>
+            <a:r>
+              <a:rPr lang="ko-KR" altLang="en-US" dirty="0"/>
+              <a:t> 있다</a:t>
+            </a:r>
+            <a:r>
+              <a:rPr lang="en-US" altLang="ko-KR" dirty="0"/>
+              <a:t>. </a:t>
+            </a:r>
+          </a:p>
+          <a:p>
+            <a:pPr marL="0" indent="0">
+              <a:buNone/>
+            </a:pPr>
+            <a:r>
+              <a:rPr lang="en-US" altLang="ko-KR" dirty="0"/>
+              <a:t>2. </a:t>
+            </a:r>
+            <a:r>
+              <a:rPr lang="ko-KR" altLang="en-US" dirty="0"/>
+              <a:t>신호등을 </a:t>
+            </a:r>
+            <a:r>
+              <a:rPr lang="ko-KR" altLang="en-US" dirty="0" err="1"/>
+              <a:t>만났을때</a:t>
+            </a:r>
+            <a:r>
+              <a:rPr lang="ko-KR" altLang="en-US" dirty="0"/>
+              <a:t> </a:t>
+            </a:r>
+            <a:endParaRPr lang="en-US" altLang="ko-KR" dirty="0"/>
+          </a:p>
+          <a:p>
+            <a:pPr marL="0" indent="0">
+              <a:buNone/>
+            </a:pPr>
+            <a:r>
+              <a:rPr lang="en-US" altLang="ko-KR" dirty="0"/>
+              <a:t>-</a:t>
+            </a:r>
+            <a:r>
+              <a:rPr lang="ko-KR" altLang="en-US" dirty="0"/>
+              <a:t>노래가 바뀐다</a:t>
+            </a:r>
+            <a:r>
+              <a:rPr lang="en-US" altLang="ko-KR" dirty="0"/>
+              <a:t>. </a:t>
+            </a:r>
+          </a:p>
+          <a:p>
+            <a:pPr marL="0" indent="0">
+              <a:buNone/>
+            </a:pPr>
+            <a:r>
+              <a:rPr lang="en-US" altLang="ko-KR" dirty="0"/>
+              <a:t>3. </a:t>
+            </a:r>
+            <a:r>
+              <a:rPr lang="ko-KR" altLang="en-US" dirty="0"/>
+              <a:t>장애물을 </a:t>
+            </a:r>
+            <a:r>
+              <a:rPr lang="ko-KR" altLang="en-US" dirty="0" err="1"/>
+              <a:t>만났을때</a:t>
+            </a:r>
+            <a:endParaRPr lang="en-US" altLang="ko-KR" dirty="0"/>
+          </a:p>
+          <a:p>
+            <a:pPr marL="0" indent="0">
+              <a:buNone/>
+            </a:pPr>
+            <a:r>
+              <a:rPr lang="en-US" altLang="ko-KR" dirty="0"/>
+              <a:t>=&gt;</a:t>
+            </a:r>
+            <a:r>
+              <a:rPr lang="ko-KR" altLang="en-US" dirty="0"/>
+              <a:t>위험하다고 </a:t>
+            </a:r>
+            <a:r>
+              <a:rPr lang="ko-KR" altLang="en-US" dirty="0" err="1"/>
+              <a:t>뒷차에게</a:t>
+            </a:r>
+            <a:r>
+              <a:rPr lang="ko-KR" altLang="en-US" dirty="0"/>
+              <a:t> 알리기 위해 </a:t>
+            </a:r>
+            <a:r>
+              <a:rPr lang="ko-KR" altLang="en-US" dirty="0" err="1"/>
+              <a:t>빨간불</a:t>
+            </a:r>
+            <a:r>
+              <a:rPr lang="en-US" altLang="ko-KR" dirty="0"/>
+              <a:t> led </a:t>
+            </a:r>
+            <a:r>
+              <a:rPr lang="ko-KR" altLang="en-US" dirty="0"/>
+              <a:t>센서를 킨다</a:t>
+            </a:r>
+            <a:r>
+              <a:rPr lang="en-US" altLang="ko-KR" dirty="0"/>
+              <a:t>. </a:t>
+            </a:r>
+            <a:endParaRPr lang="ko-KR" altLang="en-US" dirty="0"/>
+          </a:p>
+        </p:txBody>
+      </p:sp>
+      <p:sp>
+        <p:nvSpPr>
+          <p:cNvPr id="3" name="제목 2"/>
+          <p:cNvSpPr>
+            <a:spLocks noGrp="1"/>
+          </p:cNvSpPr>
+          <p:nvPr>
+            <p:ph type="title"/>
+          </p:nvPr>
+        </p:nvSpPr>
+        <p:spPr/>
+        <p:txBody>
+          <a:bodyPr/>
+          <a:lstStyle/>
+          <a:p>
+            <a:r>
+              <a:rPr lang="ko-KR" altLang="en-US" dirty="0"/>
+              <a:t>창의성 </a:t>
+            </a:r>
+          </a:p>
+        </p:txBody>
+      </p:sp>
+      <p:pic>
+        <p:nvPicPr>
+          <p:cNvPr id="4" name="Picture 2" descr="í¬ë¦¬ì¤ ë§ì¤ í¸ë¦¬ì ëí ì´ë¯¸ì§ ê²ìê²°ê³¼">
+            <a:extLst>
+              <a:ext uri="{FF2B5EF4-FFF2-40B4-BE49-F238E27FC236}">
+                <a16:creationId xmlns:a16="http://schemas.microsoft.com/office/drawing/2014/main" id="{9467F8DE-CD09-4EA4-99ED-3549041F17D6}"/>
+              </a:ext>
+            </a:extLst>
+          </p:cNvPr>
+          <p:cNvPicPr>
+            <a:picLocks noChangeAspect="1" noChangeArrowheads="1"/>
+          </p:cNvPicPr>
+          <p:nvPr/>
+        </p:nvPicPr>
+        <p:blipFill>
+          <a:blip r:embed="rId2" cstate="print">
+            <a:extLst>
+              <a:ext uri="{28A0092B-C50C-407E-A947-70E740481C1C}">
+                <a14:useLocalDpi xmlns:a14="http://schemas.microsoft.com/office/drawing/2010/main" val="0"/>
+              </a:ext>
+            </a:extLst>
+          </a:blip>
+          <a:srcRect/>
+          <a:stretch>
+            <a:fillRect/>
+          </a:stretch>
+        </p:blipFill>
+        <p:spPr bwMode="auto">
+          <a:xfrm>
+            <a:off x="5580112" y="2204864"/>
+            <a:ext cx="2232248" cy="2777554"/>
+          </a:xfrm>
+          <a:prstGeom prst="rect">
+            <a:avLst/>
+          </a:prstGeom>
+          <a:noFill/>
+          <a:extLst>
+            <a:ext uri="{909E8E84-426E-40DD-AFC4-6F175D3DCCD1}">
+              <a14:hiddenFill xmlns:a14="http://schemas.microsoft.com/office/drawing/2010/main">
+                <a:solidFill>
+                  <a:srgbClr val="FFFFFF"/>
+                </a:solidFill>
+              </a14:hiddenFill>
+            </a:ext>
+          </a:extLst>
+        </p:spPr>
+      </p:pic>
+    </p:spTree>
+    <p:extLst>
+      <p:ext uri="{BB962C8B-B14F-4D97-AF65-F5344CB8AC3E}">
+        <p14:creationId xmlns:p14="http://schemas.microsoft.com/office/powerpoint/2010/main" val="1294277136"/>
+      </p:ext>
+    </p:extLst>
+  </p:cSld>
+  <p:clrMapOvr>
+    <a:masterClrMapping/>
+  </p:clrMapOvr>
+</p:sld>
+</file>
+
 <file path=ppt/slides/slide6.xml><?xml version="1.0" encoding="utf-8"?>
 <p:sld xmlns:a="http://schemas.openxmlformats.org/drawingml/2006/main" xmlns:r="http://schemas.openxmlformats.org/officeDocument/2006/relationships" xmlns:p="http://schemas.openxmlformats.org/presentationml/2006/main">
   <p:cSld>
@@ -5230,6 +5106,223 @@
       </p:grpSpPr>
       <p:sp>
         <p:nvSpPr>
+          <p:cNvPr id="3" name="제목 2">
+            <a:extLst>
+              <a:ext uri="{FF2B5EF4-FFF2-40B4-BE49-F238E27FC236}">
+                <a16:creationId xmlns:a16="http://schemas.microsoft.com/office/drawing/2014/main" id="{06D1F24C-58E8-49C3-8A98-D62861239AD9}"/>
+              </a:ext>
+            </a:extLst>
+          </p:cNvPr>
+          <p:cNvSpPr>
+            <a:spLocks noGrp="1"/>
+          </p:cNvSpPr>
+          <p:nvPr>
+            <p:ph type="title"/>
+          </p:nvPr>
+        </p:nvSpPr>
+        <p:spPr/>
+        <p:txBody>
+          <a:bodyPr/>
+          <a:lstStyle/>
+          <a:p>
+            <a:r>
+              <a:rPr lang="ko-KR" altLang="en-US" dirty="0"/>
+              <a:t>창의성</a:t>
+            </a:r>
+            <a:r>
+              <a:rPr lang="en-US" altLang="ko-KR" dirty="0"/>
+              <a:t>2</a:t>
+            </a:r>
+            <a:endParaRPr lang="ko-KR" altLang="en-US" dirty="0"/>
+          </a:p>
+        </p:txBody>
+      </p:sp>
+      <p:pic>
+        <p:nvPicPr>
+          <p:cNvPr id="1026" name="Picture 2" descr="í¬ë¦¬ì¤ ë§ì¤ í¸ë¦¬ì ëí ì´ë¯¸ì§ ê²ìê²°ê³¼">
+            <a:extLst>
+              <a:ext uri="{FF2B5EF4-FFF2-40B4-BE49-F238E27FC236}">
+                <a16:creationId xmlns:a16="http://schemas.microsoft.com/office/drawing/2014/main" id="{0CBC03C0-D13D-4994-9CC7-86CC4217EA79}"/>
+              </a:ext>
+            </a:extLst>
+          </p:cNvPr>
+          <p:cNvPicPr>
+            <a:picLocks noGrp="1" noChangeAspect="1" noChangeArrowheads="1"/>
+          </p:cNvPicPr>
+          <p:nvPr>
+            <p:ph idx="1"/>
+          </p:nvPr>
+        </p:nvPicPr>
+        <p:blipFill>
+          <a:blip r:embed="rId2">
+            <a:extLst>
+              <a:ext uri="{28A0092B-C50C-407E-A947-70E740481C1C}">
+                <a14:useLocalDpi xmlns:a14="http://schemas.microsoft.com/office/drawing/2010/main" val="0"/>
+              </a:ext>
+            </a:extLst>
+          </a:blip>
+          <a:srcRect/>
+          <a:stretch>
+            <a:fillRect/>
+          </a:stretch>
+        </p:blipFill>
+        <p:spPr bwMode="auto">
+          <a:xfrm>
+            <a:off x="683568" y="1244456"/>
+            <a:ext cx="3744416" cy="4659123"/>
+          </a:xfrm>
+          <a:prstGeom prst="rect">
+            <a:avLst/>
+          </a:prstGeom>
+          <a:noFill/>
+          <a:extLst>
+            <a:ext uri="{909E8E84-426E-40DD-AFC4-6F175D3DCCD1}">
+              <a14:hiddenFill xmlns:a14="http://schemas.microsoft.com/office/drawing/2010/main">
+                <a:solidFill>
+                  <a:srgbClr val="FFFFFF"/>
+                </a:solidFill>
+              </a14:hiddenFill>
+            </a:ext>
+          </a:extLst>
+        </p:spPr>
+      </p:pic>
+      <p:pic>
+        <p:nvPicPr>
+          <p:cNvPr id="4" name="그림 3">
+            <a:extLst>
+              <a:ext uri="{FF2B5EF4-FFF2-40B4-BE49-F238E27FC236}">
+                <a16:creationId xmlns:a16="http://schemas.microsoft.com/office/drawing/2014/main" id="{D6CED39B-E74B-48D9-B1EB-AC85778E2F1A}"/>
+              </a:ext>
+            </a:extLst>
+          </p:cNvPr>
+          <p:cNvPicPr>
+            <a:picLocks noChangeAspect="1"/>
+          </p:cNvPicPr>
+          <p:nvPr/>
+        </p:nvPicPr>
+        <p:blipFill>
+          <a:blip r:embed="rId3"/>
+          <a:stretch>
+            <a:fillRect/>
+          </a:stretch>
+        </p:blipFill>
+        <p:spPr>
+          <a:xfrm>
+            <a:off x="4808671" y="1196752"/>
+            <a:ext cx="2938385" cy="2938385"/>
+          </a:xfrm>
+          <a:prstGeom prst="rect">
+            <a:avLst/>
+          </a:prstGeom>
+        </p:spPr>
+      </p:pic>
+      <p:sp>
+        <p:nvSpPr>
+          <p:cNvPr id="5" name="AutoShape 4" descr="ì í­ì ëí ì´ë¯¸ì§ ê²ìê²°ê³¼">
+            <a:extLst>
+              <a:ext uri="{FF2B5EF4-FFF2-40B4-BE49-F238E27FC236}">
+                <a16:creationId xmlns:a16="http://schemas.microsoft.com/office/drawing/2014/main" id="{EACBEC12-6F0B-4E84-950B-D22CBF64A60F}"/>
+              </a:ext>
+            </a:extLst>
+          </p:cNvPr>
+          <p:cNvSpPr>
+            <a:spLocks noChangeAspect="1" noChangeArrowheads="1"/>
+          </p:cNvSpPr>
+          <p:nvPr/>
+        </p:nvSpPr>
+        <p:spPr bwMode="auto">
+          <a:xfrm>
+            <a:off x="4419600" y="3276600"/>
+            <a:ext cx="2384648" cy="2384648"/>
+          </a:xfrm>
+          <a:prstGeom prst="rect">
+            <a:avLst/>
+          </a:prstGeom>
+          <a:noFill/>
+          <a:extLst>
+            <a:ext uri="{909E8E84-426E-40DD-AFC4-6F175D3DCCD1}">
+              <a14:hiddenFill xmlns:a14="http://schemas.microsoft.com/office/drawing/2010/main">
+                <a:solidFill>
+                  <a:srgbClr val="FFFFFF"/>
+                </a:solidFill>
+              </a14:hiddenFill>
+            </a:ext>
+          </a:extLst>
+        </p:spPr>
+        <p:txBody>
+          <a:bodyPr vert="horz" wrap="square" lIns="91440" tIns="45720" rIns="91440" bIns="45720" numCol="1" anchor="t" anchorCtr="0" compatLnSpc="1">
+            <a:prstTxWarp prst="textNoShape">
+              <a:avLst/>
+            </a:prstTxWarp>
+          </a:bodyPr>
+          <a:lstStyle/>
+          <a:p>
+            <a:endParaRPr lang="ko-KR" altLang="en-US"/>
+          </a:p>
+        </p:txBody>
+      </p:sp>
+      <p:pic>
+        <p:nvPicPr>
+          <p:cNvPr id="6" name="그림 5">
+            <a:extLst>
+              <a:ext uri="{FF2B5EF4-FFF2-40B4-BE49-F238E27FC236}">
+                <a16:creationId xmlns:a16="http://schemas.microsoft.com/office/drawing/2014/main" id="{11C381F8-8573-4A78-A796-26FA7D874906}"/>
+              </a:ext>
+            </a:extLst>
+          </p:cNvPr>
+          <p:cNvPicPr>
+            <a:picLocks noChangeAspect="1"/>
+          </p:cNvPicPr>
+          <p:nvPr/>
+        </p:nvPicPr>
+        <p:blipFill>
+          <a:blip r:embed="rId4"/>
+          <a:stretch>
+            <a:fillRect/>
+          </a:stretch>
+        </p:blipFill>
+        <p:spPr>
+          <a:xfrm>
+            <a:off x="4714720" y="4185975"/>
+            <a:ext cx="2295525" cy="2000250"/>
+          </a:xfrm>
+          <a:prstGeom prst="rect">
+            <a:avLst/>
+          </a:prstGeom>
+        </p:spPr>
+      </p:pic>
+    </p:spTree>
+    <p:extLst>
+      <p:ext uri="{BB962C8B-B14F-4D97-AF65-F5344CB8AC3E}">
+        <p14:creationId xmlns:p14="http://schemas.microsoft.com/office/powerpoint/2010/main" val="3598984515"/>
+      </p:ext>
+    </p:extLst>
+  </p:cSld>
+  <p:clrMapOvr>
+    <a:masterClrMapping/>
+  </p:clrMapOvr>
+</p:sld>
+</file>
+
+<file path=ppt/slides/slide7.xml><?xml version="1.0" encoding="utf-8"?>
+<p:sld xmlns:a="http://schemas.openxmlformats.org/drawingml/2006/main" xmlns:r="http://schemas.openxmlformats.org/officeDocument/2006/relationships" xmlns:p="http://schemas.openxmlformats.org/presentationml/2006/main">
+  <p:cSld>
+    <p:spTree>
+      <p:nvGrpSpPr>
+        <p:cNvPr id="1" name=""/>
+        <p:cNvGrpSpPr/>
+        <p:nvPr/>
+      </p:nvGrpSpPr>
+      <p:grpSpPr>
+        <a:xfrm>
+          <a:off x="0" y="0"/>
+          <a:ext cx="0" cy="0"/>
+          <a:chOff x="0" y="0"/>
+          <a:chExt cx="0" cy="0"/>
+        </a:xfrm>
+      </p:grpSpPr>
+      <p:sp>
+        <p:nvSpPr>
           <p:cNvPr id="2" name="내용 개체 틀 1"/>
           <p:cNvSpPr>
             <a:spLocks noGrp="1"/>
@@ -5240,7 +5333,9 @@
         </p:nvSpPr>
         <p:spPr/>
         <p:txBody>
-          <a:bodyPr/>
+          <a:bodyPr>
+            <a:normAutofit fontScale="77500" lnSpcReduction="20000"/>
+          </a:bodyPr>
           <a:lstStyle/>
           <a:p>
             <a:r>
@@ -5296,6 +5391,39 @@
               <a:rPr lang="en-US" altLang="ko-KR" dirty="0"/>
               <a:t>4. BUZZER</a:t>
             </a:r>
+          </a:p>
+          <a:p>
+            <a:pPr marL="0" indent="0">
+              <a:buNone/>
+            </a:pPr>
+            <a:endParaRPr lang="en-US" altLang="ko-KR" dirty="0"/>
+          </a:p>
+          <a:p>
+            <a:r>
+              <a:rPr lang="en-US" altLang="ko-KR" dirty="0"/>
+              <a:t>5. led</a:t>
+            </a:r>
+            <a:r>
+              <a:rPr lang="ko-KR" altLang="en-US" dirty="0"/>
+              <a:t> </a:t>
+            </a:r>
+            <a:r>
+              <a:rPr lang="en-US" altLang="ko-KR" dirty="0"/>
+              <a:t>sensor</a:t>
+            </a:r>
+          </a:p>
+          <a:p>
+            <a:endParaRPr lang="en-US" altLang="ko-KR" dirty="0"/>
+          </a:p>
+          <a:p>
+            <a:r>
+              <a:rPr lang="en-US" altLang="ko-KR" dirty="0"/>
+              <a:t>6.  </a:t>
+            </a:r>
+            <a:r>
+              <a:rPr lang="ko-KR" altLang="en-US" dirty="0" err="1"/>
+              <a:t>빵판</a:t>
+            </a:r>
             <a:endParaRPr lang="ko-KR" altLang="en-US" dirty="0"/>
           </a:p>
         </p:txBody>
@@ -5321,12 +5449,13 @@
             </a:r>
             <a:r>
               <a:rPr lang="en-US" altLang="ko-KR" dirty="0"/>
-              <a:t>4</a:t>
-            </a:r>
-            <a:r>
-              <a:rPr lang="ko-KR" altLang="en-US" dirty="0"/>
+              <a:t>5</a:t>
+            </a:r>
+            <a:r>
+              <a:rPr lang="ko-KR" altLang="en-US"/>
               <a:t>개</a:t>
             </a:r>
+            <a:endParaRPr lang="ko-KR" altLang="en-US" dirty="0"/>
           </a:p>
         </p:txBody>
       </p:sp>
